--- a/9장/20164091-송희령-9장 과제.pptx
+++ b/9장/20164091-송희령-9장 과제.pptx
@@ -14,8 +14,11 @@
     <p:sldId id="398" r:id="rId8"/>
     <p:sldId id="399" r:id="rId9"/>
     <p:sldId id="400" r:id="rId10"/>
-    <p:sldId id="394" r:id="rId11"/>
-    <p:sldId id="258" r:id="rId12"/>
+    <p:sldId id="401" r:id="rId11"/>
+    <p:sldId id="402" r:id="rId12"/>
+    <p:sldId id="403" r:id="rId13"/>
+    <p:sldId id="394" r:id="rId14"/>
+    <p:sldId id="258" r:id="rId15"/>
   </p:sldIdLst>
   <p:sldSz cx="12192000" cy="6858000"/>
   <p:notesSz cx="6858000" cy="9144000"/>
@@ -4195,7 +4198,7 @@
                   <a:srgbClr val="FF7876"/>
                 </a:solidFill>
               </a:rPr>
-              <a:t>11</a:t>
+              <a:t>2</a:t>
             </a:r>
           </a:p>
         </p:txBody>
@@ -4320,12 +4323,28 @@
           <a:p>
             <a:pPr algn="ctr"/>
             <a:r>
+              <a:rPr lang="ko-KR" altLang="en-US" sz="1100" i="1" dirty="0" err="1">
+                <a:solidFill>
+                  <a:srgbClr val="FF7876"/>
+                </a:solidFill>
+              </a:rPr>
+              <a:t>경사하강법</a:t>
+            </a:r>
+            <a:r>
+              <a:rPr lang="ko-KR" altLang="en-US" sz="1100" i="1" dirty="0">
+                <a:solidFill>
+                  <a:srgbClr val="FF7876"/>
+                </a:solidFill>
+              </a:rPr>
+              <a:t> 선형회귀분석 코드 </a:t>
+            </a:r>
+            <a:r>
               <a:rPr lang="en-US" altLang="ko-KR" sz="1100" i="1" dirty="0">
                 <a:solidFill>
                   <a:srgbClr val="FF7876"/>
                 </a:solidFill>
               </a:rPr>
-              <a:t>NumPy </a:t>
+              <a:t>–</a:t>
             </a:r>
             <a:r>
               <a:rPr lang="ko-KR" altLang="en-US" sz="1100" i="1" dirty="0">
@@ -4333,7 +4352,7 @@
                   <a:srgbClr val="FF7876"/>
                 </a:solidFill>
               </a:rPr>
-              <a:t>임의 프로그램</a:t>
+              <a:t> 코드 예시</a:t>
             </a:r>
             <a:endParaRPr lang="en-US" altLang="ko-KR" sz="1100" i="1" dirty="0">
               <a:solidFill>
@@ -4348,7 +4367,7 @@
           <p:cNvPr id="18" name="TextBox 17">
             <a:extLst>
               <a:ext uri="{FF2B5EF4-FFF2-40B4-BE49-F238E27FC236}">
-                <a16:creationId xmlns:a16="http://schemas.microsoft.com/office/drawing/2014/main" id="{C5F00956-EC4C-9645-8E77-300192EE53F3}"/>
+                <a16:creationId xmlns:a16="http://schemas.microsoft.com/office/drawing/2014/main" id="{6D943C5F-1424-2340-B6C8-02302E05F9D4}"/>
               </a:ext>
             </a:extLst>
           </p:cNvPr>
@@ -4357,8 +4376,8 @@
         </p:nvSpPr>
         <p:spPr>
           <a:xfrm>
-            <a:off x="3611745" y="5664038"/>
-            <a:ext cx="4968509" cy="769441"/>
+            <a:off x="3306523" y="5371651"/>
+            <a:ext cx="5495062" cy="769441"/>
           </a:xfrm>
           <a:prstGeom prst="rect">
             <a:avLst/>
@@ -4379,7 +4398,7 @@
             <a:pPr algn="ctr"/>
             <a:r>
               <a:rPr lang="ko-KR" altLang="en-US" sz="1100" dirty="0"/>
-              <a:t>기상청 홈페이지의 데이터와 가져온 데이터입니다</a:t>
+              <a:t>학습된 결과의 모습입니다</a:t>
             </a:r>
             <a:r>
               <a:rPr lang="en-US" altLang="ko-KR" sz="1100" dirty="0"/>
@@ -4389,48 +4408,44 @@
           <a:p>
             <a:pPr algn="ctr"/>
             <a:r>
-              <a:rPr lang="ko-KR" altLang="en-US" sz="1100" dirty="0"/>
-              <a:t>정상적으로 </a:t>
+              <a:rPr lang="en-US" altLang="ko-KR" sz="1100" dirty="0"/>
+              <a:t>8</a:t>
+            </a:r>
+            <a:r>
+              <a:rPr lang="ko-KR" altLang="en-US" sz="1100" dirty="0"/>
+              <a:t>번 </a:t>
             </a:r>
             <a:r>
               <a:rPr lang="ko-KR" altLang="en-US" sz="1100" dirty="0" err="1"/>
-              <a:t>크롤링</a:t>
-            </a:r>
-            <a:r>
-              <a:rPr lang="ko-KR" altLang="en-US" sz="1100" dirty="0"/>
-              <a:t> 하였으며</a:t>
+              <a:t>진행된것을</a:t>
+            </a:r>
+            <a:r>
+              <a:rPr lang="ko-KR" altLang="en-US" sz="1100" dirty="0"/>
+              <a:t> 볼 수 있으며</a:t>
             </a:r>
             <a:endParaRPr lang="en-US" altLang="ko-KR" sz="1100" dirty="0"/>
           </a:p>
           <a:p>
             <a:pPr algn="ctr"/>
             <a:r>
-              <a:rPr lang="en-US" altLang="ko-KR" sz="1100" dirty="0" err="1"/>
-              <a:t>numpy</a:t>
-            </a:r>
-            <a:r>
-              <a:rPr lang="ko-KR" altLang="en-US" sz="1100" dirty="0"/>
-              <a:t>의 </a:t>
-            </a:r>
-            <a:r>
-              <a:rPr lang="en-US" altLang="ko-KR" sz="1100" dirty="0"/>
-              <a:t>min, max</a:t>
-            </a:r>
-            <a:r>
-              <a:rPr lang="ko-KR" altLang="en-US" sz="1100" dirty="0"/>
-              <a:t>함수를 통해</a:t>
+              <a:rPr lang="ko-KR" altLang="en-US" sz="1100" dirty="0"/>
+              <a:t>평균선이 찍힌 점들보다 예상 평균치에 좀 </a:t>
+            </a:r>
+            <a:r>
+              <a:rPr lang="ko-KR" altLang="en-US" sz="1100" dirty="0" err="1"/>
+              <a:t>못미치는듯</a:t>
+            </a:r>
+            <a:r>
+              <a:rPr lang="ko-KR" altLang="en-US" sz="1100" dirty="0"/>
+              <a:t> 보이는걸</a:t>
             </a:r>
             <a:endParaRPr lang="en-US" altLang="ko-KR" sz="1100" dirty="0"/>
           </a:p>
           <a:p>
             <a:pPr algn="ctr"/>
             <a:r>
-              <a:rPr lang="ko-KR" altLang="en-US" sz="1100" dirty="0" err="1"/>
-              <a:t>최고기온과</a:t>
-            </a:r>
-            <a:r>
-              <a:rPr lang="ko-KR" altLang="en-US" sz="1100" dirty="0"/>
-              <a:t> 최저기온의 정보 역시 알 수 있습니다</a:t>
+              <a:rPr lang="ko-KR" altLang="en-US" sz="1100" dirty="0"/>
+              <a:t>볼 수 있습니다</a:t>
             </a:r>
             <a:r>
               <a:rPr lang="en-US" altLang="ko-KR" sz="1100" dirty="0"/>
@@ -4444,7 +4459,7 @@
           <p:cNvPr id="2" name="그림 1">
             <a:extLst>
               <a:ext uri="{FF2B5EF4-FFF2-40B4-BE49-F238E27FC236}">
-                <a16:creationId xmlns:a16="http://schemas.microsoft.com/office/drawing/2014/main" id="{56E70FE5-9A86-C748-9368-F212D858EA61}"/>
+                <a16:creationId xmlns:a16="http://schemas.microsoft.com/office/drawing/2014/main" id="{B6ECE56D-8966-934A-89F1-150972FBD506}"/>
               </a:ext>
             </a:extLst>
           </p:cNvPr>
@@ -4461,20 +4476,444 @@
         </p:blipFill>
         <p:spPr>
           <a:xfrm>
-            <a:off x="300754" y="1583554"/>
-            <a:ext cx="4811310" cy="3732913"/>
+            <a:off x="2783295" y="1363231"/>
+            <a:ext cx="6687152" cy="3846206"/>
           </a:xfrm>
           <a:prstGeom prst="rect">
             <a:avLst/>
           </a:prstGeom>
         </p:spPr>
       </p:pic>
+    </p:spTree>
+    <p:extLst>
+      <p:ext uri="{BB962C8B-B14F-4D97-AF65-F5344CB8AC3E}">
+        <p14:creationId xmlns:p14="http://schemas.microsoft.com/office/powerpoint/2010/main" val="2621643287"/>
+      </p:ext>
+    </p:extLst>
+  </p:cSld>
+  <p:clrMapOvr>
+    <a:masterClrMapping/>
+  </p:clrMapOvr>
+</p:sld>
+</file>
+
+<file path=ppt/slides/slide11.xml><?xml version="1.0" encoding="utf-8"?>
+<p:sld xmlns:a="http://schemas.openxmlformats.org/drawingml/2006/main" xmlns:r="http://schemas.openxmlformats.org/officeDocument/2006/relationships" xmlns:p="http://schemas.openxmlformats.org/presentationml/2006/main">
+  <p:cSld>
+    <p:spTree>
+      <p:nvGrpSpPr>
+        <p:cNvPr id="1" name=""/>
+        <p:cNvGrpSpPr/>
+        <p:nvPr/>
+      </p:nvGrpSpPr>
+      <p:grpSpPr>
+        <a:xfrm>
+          <a:off x="0" y="0"/>
+          <a:ext cx="0" cy="0"/>
+          <a:chOff x="0" y="0"/>
+          <a:chExt cx="0" cy="0"/>
+        </a:xfrm>
+      </p:grpSpPr>
       <p:pic>
         <p:nvPicPr>
-          <p:cNvPr id="3" name="그림 2">
-            <a:extLst>
-              <a:ext uri="{FF2B5EF4-FFF2-40B4-BE49-F238E27FC236}">
-                <a16:creationId xmlns:a16="http://schemas.microsoft.com/office/drawing/2014/main" id="{2BF039B7-5C24-734C-8C4A-32E6B8AE21FB}"/>
+          <p:cNvPr id="2" name="그림 1">
+            <a:extLst>
+              <a:ext uri="{FF2B5EF4-FFF2-40B4-BE49-F238E27FC236}">
+                <a16:creationId xmlns:a16="http://schemas.microsoft.com/office/drawing/2014/main" id="{4DD642C6-8F8B-D843-BC03-91FA689F29B7}"/>
+              </a:ext>
+            </a:extLst>
+          </p:cNvPr>
+          <p:cNvPicPr>
+            <a:picLocks noChangeAspect="1"/>
+          </p:cNvPicPr>
+          <p:nvPr/>
+        </p:nvPicPr>
+        <p:blipFill>
+          <a:blip r:embed="rId2"/>
+          <a:stretch>
+            <a:fillRect/>
+          </a:stretch>
+        </p:blipFill>
+        <p:spPr>
+          <a:xfrm>
+            <a:off x="208749" y="1763565"/>
+            <a:ext cx="5162513" cy="4201800"/>
+          </a:xfrm>
+          <a:prstGeom prst="rect">
+            <a:avLst/>
+          </a:prstGeom>
+        </p:spPr>
+      </p:pic>
+      <p:sp>
+        <p:nvSpPr>
+          <p:cNvPr id="37" name="직사각형 36">
+            <a:extLst>
+              <a:ext uri="{FF2B5EF4-FFF2-40B4-BE49-F238E27FC236}">
+                <a16:creationId xmlns:a16="http://schemas.microsoft.com/office/drawing/2014/main" id="{3F15C60C-17FE-422D-AFCF-73C75A021362}"/>
+              </a:ext>
+            </a:extLst>
+          </p:cNvPr>
+          <p:cNvSpPr/>
+          <p:nvPr/>
+        </p:nvSpPr>
+        <p:spPr>
+          <a:xfrm>
+            <a:off x="3697172" y="332194"/>
+            <a:ext cx="4713765" cy="735842"/>
+          </a:xfrm>
+          <a:prstGeom prst="rect">
+            <a:avLst/>
+          </a:prstGeom>
+        </p:spPr>
+        <p:txBody>
+          <a:bodyPr wrap="square">
+            <a:spAutoFit/>
+          </a:bodyPr>
+          <a:lstStyle/>
+          <a:p>
+            <a:pPr algn="ctr" latinLnBrk="0">
+              <a:lnSpc>
+                <a:spcPct val="150000"/>
+              </a:lnSpc>
+              <a:defRPr/>
+            </a:pPr>
+            <a:r>
+              <a:rPr lang="en-US" altLang="ko-KR" sz="3200" b="1" i="1" kern="0" dirty="0">
+                <a:solidFill>
+                  <a:srgbClr val="FF7876"/>
+                </a:solidFill>
+              </a:rPr>
+              <a:t>2</a:t>
+            </a:r>
+          </a:p>
+        </p:txBody>
+      </p:sp>
+      <p:cxnSp>
+        <p:nvCxnSpPr>
+          <p:cNvPr id="38" name="직선 연결선 37">
+            <a:extLst>
+              <a:ext uri="{FF2B5EF4-FFF2-40B4-BE49-F238E27FC236}">
+                <a16:creationId xmlns:a16="http://schemas.microsoft.com/office/drawing/2014/main" id="{940134F4-F272-426A-B50B-8075427DF501}"/>
+              </a:ext>
+            </a:extLst>
+          </p:cNvPr>
+          <p:cNvCxnSpPr>
+            <a:cxnSpLocks/>
+          </p:cNvCxnSpPr>
+          <p:nvPr/>
+        </p:nvCxnSpPr>
+        <p:spPr>
+          <a:xfrm flipV="1">
+            <a:off x="843148" y="847712"/>
+            <a:ext cx="4769087" cy="1"/>
+          </a:xfrm>
+          <a:prstGeom prst="line">
+            <a:avLst/>
+          </a:prstGeom>
+          <a:ln w="6350">
+            <a:solidFill>
+              <a:srgbClr val="FF7876"/>
+            </a:solidFill>
+            <a:prstDash val="sysDash"/>
+            <a:tailEnd type="oval"/>
+          </a:ln>
+        </p:spPr>
+        <p:style>
+          <a:lnRef idx="1">
+            <a:schemeClr val="accent1"/>
+          </a:lnRef>
+          <a:fillRef idx="0">
+            <a:schemeClr val="accent1"/>
+          </a:fillRef>
+          <a:effectRef idx="0">
+            <a:schemeClr val="accent1"/>
+          </a:effectRef>
+          <a:fontRef idx="minor">
+            <a:schemeClr val="tx1"/>
+          </a:fontRef>
+        </p:style>
+      </p:cxnSp>
+      <p:cxnSp>
+        <p:nvCxnSpPr>
+          <p:cNvPr id="39" name="직선 연결선 38">
+            <a:extLst>
+              <a:ext uri="{FF2B5EF4-FFF2-40B4-BE49-F238E27FC236}">
+                <a16:creationId xmlns:a16="http://schemas.microsoft.com/office/drawing/2014/main" id="{55EBD739-0979-4546-8E6B-9CA8052FC540}"/>
+              </a:ext>
+            </a:extLst>
+          </p:cNvPr>
+          <p:cNvCxnSpPr>
+            <a:cxnSpLocks/>
+          </p:cNvCxnSpPr>
+          <p:nvPr/>
+        </p:nvCxnSpPr>
+        <p:spPr>
+          <a:xfrm flipH="1">
+            <a:off x="6579767" y="847712"/>
+            <a:ext cx="4692810" cy="0"/>
+          </a:xfrm>
+          <a:prstGeom prst="line">
+            <a:avLst/>
+          </a:prstGeom>
+          <a:ln w="6350">
+            <a:solidFill>
+              <a:srgbClr val="FF7876"/>
+            </a:solidFill>
+            <a:prstDash val="sysDash"/>
+            <a:tailEnd type="oval"/>
+          </a:ln>
+        </p:spPr>
+        <p:style>
+          <a:lnRef idx="1">
+            <a:schemeClr val="accent1"/>
+          </a:lnRef>
+          <a:fillRef idx="0">
+            <a:schemeClr val="accent1"/>
+          </a:fillRef>
+          <a:effectRef idx="0">
+            <a:schemeClr val="accent1"/>
+          </a:effectRef>
+          <a:fontRef idx="minor">
+            <a:schemeClr val="tx1"/>
+          </a:fontRef>
+        </p:style>
+      </p:cxnSp>
+      <p:sp>
+        <p:nvSpPr>
+          <p:cNvPr id="8" name="TextBox 7">
+            <a:extLst>
+              <a:ext uri="{FF2B5EF4-FFF2-40B4-BE49-F238E27FC236}">
+                <a16:creationId xmlns:a16="http://schemas.microsoft.com/office/drawing/2014/main" id="{C18154B9-4F65-4277-8C17-63D9702FC25F}"/>
+              </a:ext>
+            </a:extLst>
+          </p:cNvPr>
+          <p:cNvSpPr txBox="1"/>
+          <p:nvPr/>
+        </p:nvSpPr>
+        <p:spPr>
+          <a:xfrm>
+            <a:off x="765146" y="963122"/>
+            <a:ext cx="10507430" cy="261610"/>
+          </a:xfrm>
+          <a:prstGeom prst="rect">
+            <a:avLst/>
+          </a:prstGeom>
+          <a:noFill/>
+        </p:spPr>
+        <p:txBody>
+          <a:bodyPr wrap="square" rtlCol="0">
+            <a:spAutoFit/>
+          </a:bodyPr>
+          <a:lstStyle/>
+          <a:p>
+            <a:pPr algn="ctr"/>
+            <a:r>
+              <a:rPr lang="ko-KR" altLang="en-US" sz="1100" i="1" dirty="0" err="1">
+                <a:solidFill>
+                  <a:srgbClr val="FF7876"/>
+                </a:solidFill>
+              </a:rPr>
+              <a:t>경사하강법</a:t>
+            </a:r>
+            <a:r>
+              <a:rPr lang="ko-KR" altLang="en-US" sz="1100" i="1" dirty="0">
+                <a:solidFill>
+                  <a:srgbClr val="FF7876"/>
+                </a:solidFill>
+              </a:rPr>
+              <a:t> 선형회귀분석 코드 </a:t>
+            </a:r>
+            <a:r>
+              <a:rPr lang="en-US" altLang="ko-KR" sz="1100" i="1" dirty="0">
+                <a:solidFill>
+                  <a:srgbClr val="FF7876"/>
+                </a:solidFill>
+              </a:rPr>
+              <a:t>–</a:t>
+            </a:r>
+            <a:r>
+              <a:rPr lang="ko-KR" altLang="en-US" sz="1100" i="1" dirty="0">
+                <a:solidFill>
+                  <a:srgbClr val="FF7876"/>
+                </a:solidFill>
+              </a:rPr>
+              <a:t> 예시 수정 </a:t>
+            </a:r>
+            <a:r>
+              <a:rPr lang="en-US" altLang="ko-KR" sz="1100" i="1" dirty="0">
+                <a:solidFill>
+                  <a:srgbClr val="FF7876"/>
+                </a:solidFill>
+              </a:rPr>
+              <a:t>(</a:t>
+            </a:r>
+            <a:r>
+              <a:rPr lang="ko-KR" altLang="en-US" sz="1100" i="1" dirty="0">
+                <a:solidFill>
+                  <a:srgbClr val="FF7876"/>
+                </a:solidFill>
+              </a:rPr>
+              <a:t> </a:t>
+            </a:r>
+            <a:r>
+              <a:rPr lang="ko-KR" altLang="en-US" sz="1100" i="1" dirty="0" err="1">
+                <a:solidFill>
+                  <a:srgbClr val="FF7876"/>
+                </a:solidFill>
+              </a:rPr>
+              <a:t>에포크</a:t>
+            </a:r>
+            <a:r>
+              <a:rPr lang="ko-KR" altLang="en-US" sz="1100" i="1" dirty="0">
+                <a:solidFill>
+                  <a:srgbClr val="FF7876"/>
+                </a:solidFill>
+              </a:rPr>
+              <a:t> 증가 </a:t>
+            </a:r>
+            <a:r>
+              <a:rPr lang="en-US" altLang="ko-KR" sz="1100" i="1" dirty="0">
+                <a:solidFill>
+                  <a:srgbClr val="FF7876"/>
+                </a:solidFill>
+              </a:rPr>
+              <a:t>)</a:t>
+            </a:r>
+          </a:p>
+        </p:txBody>
+      </p:sp>
+      <p:sp>
+        <p:nvSpPr>
+          <p:cNvPr id="14" name="TextBox 13">
+            <a:extLst>
+              <a:ext uri="{FF2B5EF4-FFF2-40B4-BE49-F238E27FC236}">
+                <a16:creationId xmlns:a16="http://schemas.microsoft.com/office/drawing/2014/main" id="{FB31BADE-183C-E149-8168-A1AF97D31E41}"/>
+              </a:ext>
+            </a:extLst>
+          </p:cNvPr>
+          <p:cNvSpPr txBox="1"/>
+          <p:nvPr/>
+        </p:nvSpPr>
+        <p:spPr>
+          <a:xfrm>
+            <a:off x="208748" y="4701387"/>
+            <a:ext cx="4711209" cy="218572"/>
+          </a:xfrm>
+          <a:prstGeom prst="rect">
+            <a:avLst/>
+          </a:prstGeom>
+          <a:noFill/>
+          <a:ln w="12700">
+            <a:solidFill>
+              <a:srgbClr val="FF7876"/>
+            </a:solidFill>
+          </a:ln>
+        </p:spPr>
+        <p:txBody>
+          <a:bodyPr wrap="square" rtlCol="0">
+            <a:spAutoFit/>
+          </a:bodyPr>
+          <a:lstStyle/>
+          <a:p>
+            <a:pPr algn="ctr"/>
+            <a:endParaRPr lang="en-US" altLang="ko-Kore-KR" sz="1100" dirty="0"/>
+          </a:p>
+        </p:txBody>
+      </p:sp>
+      <p:sp>
+        <p:nvSpPr>
+          <p:cNvPr id="35" name="TextBox 34">
+            <a:extLst>
+              <a:ext uri="{FF2B5EF4-FFF2-40B4-BE49-F238E27FC236}">
+                <a16:creationId xmlns:a16="http://schemas.microsoft.com/office/drawing/2014/main" id="{0E3A8EA2-CA42-3B46-A192-3B3E5003D378}"/>
+              </a:ext>
+            </a:extLst>
+          </p:cNvPr>
+          <p:cNvSpPr txBox="1"/>
+          <p:nvPr/>
+        </p:nvSpPr>
+        <p:spPr>
+          <a:xfrm>
+            <a:off x="5704315" y="5290014"/>
+            <a:ext cx="5914158" cy="430887"/>
+          </a:xfrm>
+          <a:prstGeom prst="rect">
+            <a:avLst/>
+          </a:prstGeom>
+          <a:noFill/>
+          <a:ln w="12700">
+            <a:solidFill>
+              <a:srgbClr val="FF7876"/>
+            </a:solidFill>
+          </a:ln>
+        </p:spPr>
+        <p:txBody>
+          <a:bodyPr wrap="square" rtlCol="0">
+            <a:spAutoFit/>
+          </a:bodyPr>
+          <a:lstStyle/>
+          <a:p>
+            <a:pPr algn="ctr"/>
+            <a:r>
+              <a:rPr lang="ko-KR" altLang="en-US" sz="1100" dirty="0"/>
+              <a:t>기존 </a:t>
+            </a:r>
+            <a:r>
+              <a:rPr lang="ko-KR" altLang="en-US" sz="1100" dirty="0" err="1"/>
+              <a:t>에포크</a:t>
+            </a:r>
+            <a:r>
+              <a:rPr lang="ko-KR" altLang="en-US" sz="1100" dirty="0"/>
+              <a:t> </a:t>
+            </a:r>
+            <a:r>
+              <a:rPr lang="en-US" altLang="ko-KR" sz="1100" dirty="0"/>
+              <a:t>8</a:t>
+            </a:r>
+            <a:r>
+              <a:rPr lang="ko-KR" altLang="en-US" sz="1100" dirty="0"/>
+              <a:t>회에서 </a:t>
+            </a:r>
+            <a:r>
+              <a:rPr lang="en-US" altLang="ko-KR" sz="1100" dirty="0"/>
+              <a:t>1000</a:t>
+            </a:r>
+            <a:r>
+              <a:rPr lang="ko-KR" altLang="en-US" sz="1100" dirty="0"/>
+              <a:t>회로 증가시켜 실행해보았습니다</a:t>
+            </a:r>
+            <a:r>
+              <a:rPr lang="en-US" altLang="ko-KR" sz="1100" dirty="0"/>
+              <a:t>.</a:t>
+            </a:r>
+          </a:p>
+          <a:p>
+            <a:pPr algn="ctr"/>
+            <a:r>
+              <a:rPr lang="ko-KR" altLang="en-US" sz="1100" dirty="0"/>
+              <a:t>이전 결과보다 조금 더 평균에 미치도록 </a:t>
+            </a:r>
+            <a:r>
+              <a:rPr lang="ko-KR" altLang="en-US" sz="1100" dirty="0" err="1"/>
+              <a:t>가는것을</a:t>
+            </a:r>
+            <a:r>
+              <a:rPr lang="ko-KR" altLang="en-US" sz="1100" dirty="0"/>
+              <a:t> 볼 수 있습니다</a:t>
+            </a:r>
+            <a:r>
+              <a:rPr lang="en-US" altLang="ko-KR" sz="1100" dirty="0"/>
+              <a:t>.</a:t>
+            </a:r>
+          </a:p>
+        </p:txBody>
+      </p:sp>
+      <p:pic>
+        <p:nvPicPr>
+          <p:cNvPr id="4" name="그림 3">
+            <a:extLst>
+              <a:ext uri="{FF2B5EF4-FFF2-40B4-BE49-F238E27FC236}">
+                <a16:creationId xmlns:a16="http://schemas.microsoft.com/office/drawing/2014/main" id="{7D3FD11C-A7C2-5041-A106-EB392F02D9DF}"/>
               </a:ext>
             </a:extLst>
           </p:cNvPr>
@@ -4491,8 +4930,8 @@
         </p:blipFill>
         <p:spPr>
           <a:xfrm>
-            <a:off x="5378450" y="1714500"/>
-            <a:ext cx="1435100" cy="3429000"/>
+            <a:off x="6001106" y="1762495"/>
+            <a:ext cx="4819661" cy="2651209"/>
           </a:xfrm>
           <a:prstGeom prst="rect">
             <a:avLst/>
@@ -4501,10 +4940,10 @@
       </p:pic>
       <p:sp>
         <p:nvSpPr>
-          <p:cNvPr id="21" name="TextBox 20">
-            <a:extLst>
-              <a:ext uri="{FF2B5EF4-FFF2-40B4-BE49-F238E27FC236}">
-                <a16:creationId xmlns:a16="http://schemas.microsoft.com/office/drawing/2014/main" id="{8C3118E7-1BA5-6947-B837-A6725F322ECF}"/>
+          <p:cNvPr id="19" name="TextBox 18">
+            <a:extLst>
+              <a:ext uri="{FF2B5EF4-FFF2-40B4-BE49-F238E27FC236}">
+                <a16:creationId xmlns:a16="http://schemas.microsoft.com/office/drawing/2014/main" id="{129E95C6-622C-BA46-8F7B-73F9E9FB8D3A}"/>
               </a:ext>
             </a:extLst>
           </p:cNvPr>
@@ -4513,8 +4952,8 @@
         </p:nvSpPr>
         <p:spPr>
           <a:xfrm>
-            <a:off x="2457578" y="1876902"/>
-            <a:ext cx="835880" cy="3439565"/>
+            <a:off x="6018861" y="1762495"/>
+            <a:ext cx="4801906" cy="284790"/>
           </a:xfrm>
           <a:prstGeom prst="rect">
             <a:avLst/>
@@ -4537,12 +4976,42 @@
           </a:p>
         </p:txBody>
       </p:sp>
+    </p:spTree>
+    <p:extLst>
+      <p:ext uri="{BB962C8B-B14F-4D97-AF65-F5344CB8AC3E}">
+        <p14:creationId xmlns:p14="http://schemas.microsoft.com/office/powerpoint/2010/main" val="627401391"/>
+      </p:ext>
+    </p:extLst>
+  </p:cSld>
+  <p:clrMapOvr>
+    <a:masterClrMapping/>
+  </p:clrMapOvr>
+</p:sld>
+</file>
+
+<file path=ppt/slides/slide12.xml><?xml version="1.0" encoding="utf-8"?>
+<p:sld xmlns:a="http://schemas.openxmlformats.org/drawingml/2006/main" xmlns:r="http://schemas.openxmlformats.org/officeDocument/2006/relationships" xmlns:p="http://schemas.openxmlformats.org/presentationml/2006/main">
+  <p:cSld>
+    <p:spTree>
+      <p:nvGrpSpPr>
+        <p:cNvPr id="1" name=""/>
+        <p:cNvGrpSpPr/>
+        <p:nvPr/>
+      </p:nvGrpSpPr>
+      <p:grpSpPr>
+        <a:xfrm>
+          <a:off x="0" y="0"/>
+          <a:ext cx="0" cy="0"/>
+          <a:chOff x="0" y="0"/>
+          <a:chExt cx="0" cy="0"/>
+        </a:xfrm>
+      </p:grpSpPr>
       <p:pic>
         <p:nvPicPr>
-          <p:cNvPr id="4" name="그림 3">
-            <a:extLst>
-              <a:ext uri="{FF2B5EF4-FFF2-40B4-BE49-F238E27FC236}">
-                <a16:creationId xmlns:a16="http://schemas.microsoft.com/office/drawing/2014/main" id="{1BED9138-E6ED-9F44-9DC9-593981AADD30}"/>
+          <p:cNvPr id="5" name="그림 4">
+            <a:extLst>
+              <a:ext uri="{FF2B5EF4-FFF2-40B4-BE49-F238E27FC236}">
+                <a16:creationId xmlns:a16="http://schemas.microsoft.com/office/drawing/2014/main" id="{9595AB1F-DF1E-5D47-BD25-985B9D65312A}"/>
               </a:ext>
             </a:extLst>
           </p:cNvPr>
@@ -4552,21 +5021,1005 @@
           <p:nvPr/>
         </p:nvPicPr>
         <p:blipFill>
-          <a:blip r:embed="rId4"/>
+          <a:blip r:embed="rId2"/>
           <a:stretch>
             <a:fillRect/>
           </a:stretch>
         </p:blipFill>
         <p:spPr>
           <a:xfrm>
-            <a:off x="7560546" y="3088684"/>
-            <a:ext cx="3479800" cy="508000"/>
+            <a:off x="6018861" y="1754403"/>
+            <a:ext cx="5475060" cy="3026642"/>
           </a:xfrm>
           <a:prstGeom prst="rect">
             <a:avLst/>
           </a:prstGeom>
         </p:spPr>
       </p:pic>
+      <p:pic>
+        <p:nvPicPr>
+          <p:cNvPr id="3" name="그림 2">
+            <a:extLst>
+              <a:ext uri="{FF2B5EF4-FFF2-40B4-BE49-F238E27FC236}">
+                <a16:creationId xmlns:a16="http://schemas.microsoft.com/office/drawing/2014/main" id="{F4AE59C6-6128-E348-A25A-AE1CE80B0F98}"/>
+              </a:ext>
+            </a:extLst>
+          </p:cNvPr>
+          <p:cNvPicPr>
+            <a:picLocks noChangeAspect="1"/>
+          </p:cNvPicPr>
+          <p:nvPr/>
+        </p:nvPicPr>
+        <p:blipFill>
+          <a:blip r:embed="rId3"/>
+          <a:stretch>
+            <a:fillRect/>
+          </a:stretch>
+        </p:blipFill>
+        <p:spPr>
+          <a:xfrm>
+            <a:off x="200656" y="1707055"/>
+            <a:ext cx="5547404" cy="4556389"/>
+          </a:xfrm>
+          <a:prstGeom prst="rect">
+            <a:avLst/>
+          </a:prstGeom>
+        </p:spPr>
+      </p:pic>
+      <p:sp>
+        <p:nvSpPr>
+          <p:cNvPr id="37" name="직사각형 36">
+            <a:extLst>
+              <a:ext uri="{FF2B5EF4-FFF2-40B4-BE49-F238E27FC236}">
+                <a16:creationId xmlns:a16="http://schemas.microsoft.com/office/drawing/2014/main" id="{3F15C60C-17FE-422D-AFCF-73C75A021362}"/>
+              </a:ext>
+            </a:extLst>
+          </p:cNvPr>
+          <p:cNvSpPr/>
+          <p:nvPr/>
+        </p:nvSpPr>
+        <p:spPr>
+          <a:xfrm>
+            <a:off x="3697172" y="332194"/>
+            <a:ext cx="4713765" cy="735842"/>
+          </a:xfrm>
+          <a:prstGeom prst="rect">
+            <a:avLst/>
+          </a:prstGeom>
+        </p:spPr>
+        <p:txBody>
+          <a:bodyPr wrap="square">
+            <a:spAutoFit/>
+          </a:bodyPr>
+          <a:lstStyle/>
+          <a:p>
+            <a:pPr algn="ctr" latinLnBrk="0">
+              <a:lnSpc>
+                <a:spcPct val="150000"/>
+              </a:lnSpc>
+              <a:defRPr/>
+            </a:pPr>
+            <a:r>
+              <a:rPr lang="en-US" altLang="ko-KR" sz="3200" b="1" i="1" kern="0" dirty="0">
+                <a:solidFill>
+                  <a:srgbClr val="FF7876"/>
+                </a:solidFill>
+              </a:rPr>
+              <a:t>2</a:t>
+            </a:r>
+          </a:p>
+        </p:txBody>
+      </p:sp>
+      <p:cxnSp>
+        <p:nvCxnSpPr>
+          <p:cNvPr id="38" name="직선 연결선 37">
+            <a:extLst>
+              <a:ext uri="{FF2B5EF4-FFF2-40B4-BE49-F238E27FC236}">
+                <a16:creationId xmlns:a16="http://schemas.microsoft.com/office/drawing/2014/main" id="{940134F4-F272-426A-B50B-8075427DF501}"/>
+              </a:ext>
+            </a:extLst>
+          </p:cNvPr>
+          <p:cNvCxnSpPr>
+            <a:cxnSpLocks/>
+          </p:cNvCxnSpPr>
+          <p:nvPr/>
+        </p:nvCxnSpPr>
+        <p:spPr>
+          <a:xfrm flipV="1">
+            <a:off x="843148" y="847712"/>
+            <a:ext cx="4769087" cy="1"/>
+          </a:xfrm>
+          <a:prstGeom prst="line">
+            <a:avLst/>
+          </a:prstGeom>
+          <a:ln w="6350">
+            <a:solidFill>
+              <a:srgbClr val="FF7876"/>
+            </a:solidFill>
+            <a:prstDash val="sysDash"/>
+            <a:tailEnd type="oval"/>
+          </a:ln>
+        </p:spPr>
+        <p:style>
+          <a:lnRef idx="1">
+            <a:schemeClr val="accent1"/>
+          </a:lnRef>
+          <a:fillRef idx="0">
+            <a:schemeClr val="accent1"/>
+          </a:fillRef>
+          <a:effectRef idx="0">
+            <a:schemeClr val="accent1"/>
+          </a:effectRef>
+          <a:fontRef idx="minor">
+            <a:schemeClr val="tx1"/>
+          </a:fontRef>
+        </p:style>
+      </p:cxnSp>
+      <p:cxnSp>
+        <p:nvCxnSpPr>
+          <p:cNvPr id="39" name="직선 연결선 38">
+            <a:extLst>
+              <a:ext uri="{FF2B5EF4-FFF2-40B4-BE49-F238E27FC236}">
+                <a16:creationId xmlns:a16="http://schemas.microsoft.com/office/drawing/2014/main" id="{55EBD739-0979-4546-8E6B-9CA8052FC540}"/>
+              </a:ext>
+            </a:extLst>
+          </p:cNvPr>
+          <p:cNvCxnSpPr>
+            <a:cxnSpLocks/>
+          </p:cNvCxnSpPr>
+          <p:nvPr/>
+        </p:nvCxnSpPr>
+        <p:spPr>
+          <a:xfrm flipH="1">
+            <a:off x="6579767" y="847712"/>
+            <a:ext cx="4692810" cy="0"/>
+          </a:xfrm>
+          <a:prstGeom prst="line">
+            <a:avLst/>
+          </a:prstGeom>
+          <a:ln w="6350">
+            <a:solidFill>
+              <a:srgbClr val="FF7876"/>
+            </a:solidFill>
+            <a:prstDash val="sysDash"/>
+            <a:tailEnd type="oval"/>
+          </a:ln>
+        </p:spPr>
+        <p:style>
+          <a:lnRef idx="1">
+            <a:schemeClr val="accent1"/>
+          </a:lnRef>
+          <a:fillRef idx="0">
+            <a:schemeClr val="accent1"/>
+          </a:fillRef>
+          <a:effectRef idx="0">
+            <a:schemeClr val="accent1"/>
+          </a:effectRef>
+          <a:fontRef idx="minor">
+            <a:schemeClr val="tx1"/>
+          </a:fontRef>
+        </p:style>
+      </p:cxnSp>
+      <p:sp>
+        <p:nvSpPr>
+          <p:cNvPr id="8" name="TextBox 7">
+            <a:extLst>
+              <a:ext uri="{FF2B5EF4-FFF2-40B4-BE49-F238E27FC236}">
+                <a16:creationId xmlns:a16="http://schemas.microsoft.com/office/drawing/2014/main" id="{C18154B9-4F65-4277-8C17-63D9702FC25F}"/>
+              </a:ext>
+            </a:extLst>
+          </p:cNvPr>
+          <p:cNvSpPr txBox="1"/>
+          <p:nvPr/>
+        </p:nvSpPr>
+        <p:spPr>
+          <a:xfrm>
+            <a:off x="765146" y="963122"/>
+            <a:ext cx="10507430" cy="261610"/>
+          </a:xfrm>
+          <a:prstGeom prst="rect">
+            <a:avLst/>
+          </a:prstGeom>
+          <a:noFill/>
+        </p:spPr>
+        <p:txBody>
+          <a:bodyPr wrap="square" rtlCol="0">
+            <a:spAutoFit/>
+          </a:bodyPr>
+          <a:lstStyle/>
+          <a:p>
+            <a:pPr algn="ctr"/>
+            <a:r>
+              <a:rPr lang="ko-KR" altLang="en-US" sz="1100" i="1" dirty="0" err="1">
+                <a:solidFill>
+                  <a:srgbClr val="FF7876"/>
+                </a:solidFill>
+              </a:rPr>
+              <a:t>경사하강법</a:t>
+            </a:r>
+            <a:r>
+              <a:rPr lang="ko-KR" altLang="en-US" sz="1100" i="1" dirty="0">
+                <a:solidFill>
+                  <a:srgbClr val="FF7876"/>
+                </a:solidFill>
+              </a:rPr>
+              <a:t> 선형회귀분석 코드 </a:t>
+            </a:r>
+            <a:r>
+              <a:rPr lang="en-US" altLang="ko-KR" sz="1100" i="1" dirty="0">
+                <a:solidFill>
+                  <a:srgbClr val="FF7876"/>
+                </a:solidFill>
+              </a:rPr>
+              <a:t>–</a:t>
+            </a:r>
+            <a:r>
+              <a:rPr lang="ko-KR" altLang="en-US" sz="1100" i="1" dirty="0">
+                <a:solidFill>
+                  <a:srgbClr val="FF7876"/>
+                </a:solidFill>
+              </a:rPr>
+              <a:t> 예시 수정 </a:t>
+            </a:r>
+            <a:r>
+              <a:rPr lang="en-US" altLang="ko-KR" sz="1100" i="1" dirty="0">
+                <a:solidFill>
+                  <a:srgbClr val="FF7876"/>
+                </a:solidFill>
+              </a:rPr>
+              <a:t>(</a:t>
+            </a:r>
+            <a:r>
+              <a:rPr lang="ko-KR" altLang="en-US" sz="1100" i="1" dirty="0">
+                <a:solidFill>
+                  <a:srgbClr val="FF7876"/>
+                </a:solidFill>
+              </a:rPr>
+              <a:t> </a:t>
+            </a:r>
+            <a:r>
+              <a:rPr lang="ko-KR" altLang="en-US" sz="1100" i="1" dirty="0" err="1">
+                <a:solidFill>
+                  <a:srgbClr val="FF7876"/>
+                </a:solidFill>
+              </a:rPr>
+              <a:t>학습률</a:t>
+            </a:r>
+            <a:r>
+              <a:rPr lang="en-US" altLang="ko-KR" sz="1100" i="1" dirty="0">
+                <a:solidFill>
+                  <a:srgbClr val="FF7876"/>
+                </a:solidFill>
+              </a:rPr>
+              <a:t>,</a:t>
+            </a:r>
+            <a:r>
+              <a:rPr lang="ko-KR" altLang="en-US" sz="1100" i="1" dirty="0">
+                <a:solidFill>
+                  <a:srgbClr val="FF7876"/>
+                </a:solidFill>
+              </a:rPr>
+              <a:t> </a:t>
+            </a:r>
+            <a:r>
+              <a:rPr lang="ko-KR" altLang="en-US" sz="1100" i="1" dirty="0" err="1">
+                <a:solidFill>
+                  <a:srgbClr val="FF7876"/>
+                </a:solidFill>
+              </a:rPr>
+              <a:t>배치사이즈</a:t>
+            </a:r>
+            <a:r>
+              <a:rPr lang="en-US" altLang="ko-KR" sz="1100" i="1" dirty="0">
+                <a:solidFill>
+                  <a:srgbClr val="FF7876"/>
+                </a:solidFill>
+              </a:rPr>
+              <a:t>,</a:t>
+            </a:r>
+            <a:r>
+              <a:rPr lang="ko-KR" altLang="en-US" sz="1100" i="1" dirty="0">
+                <a:solidFill>
+                  <a:srgbClr val="FF7876"/>
+                </a:solidFill>
+              </a:rPr>
+              <a:t> </a:t>
+            </a:r>
+            <a:r>
+              <a:rPr lang="ko-KR" altLang="en-US" sz="1100" i="1" dirty="0" err="1">
+                <a:solidFill>
+                  <a:srgbClr val="FF7876"/>
+                </a:solidFill>
+              </a:rPr>
+              <a:t>에포크</a:t>
+            </a:r>
+            <a:r>
+              <a:rPr lang="ko-KR" altLang="en-US" sz="1100" i="1" dirty="0">
+                <a:solidFill>
+                  <a:srgbClr val="FF7876"/>
+                </a:solidFill>
+              </a:rPr>
+              <a:t> 조정 </a:t>
+            </a:r>
+            <a:r>
+              <a:rPr lang="en-US" altLang="ko-KR" sz="1100" i="1" dirty="0">
+                <a:solidFill>
+                  <a:srgbClr val="FF7876"/>
+                </a:solidFill>
+              </a:rPr>
+              <a:t>)</a:t>
+            </a:r>
+          </a:p>
+        </p:txBody>
+      </p:sp>
+      <p:sp>
+        <p:nvSpPr>
+          <p:cNvPr id="14" name="TextBox 13">
+            <a:extLst>
+              <a:ext uri="{FF2B5EF4-FFF2-40B4-BE49-F238E27FC236}">
+                <a16:creationId xmlns:a16="http://schemas.microsoft.com/office/drawing/2014/main" id="{FB31BADE-183C-E149-8168-A1AF97D31E41}"/>
+              </a:ext>
+            </a:extLst>
+          </p:cNvPr>
+          <p:cNvSpPr txBox="1"/>
+          <p:nvPr/>
+        </p:nvSpPr>
+        <p:spPr>
+          <a:xfrm>
+            <a:off x="200656" y="4855134"/>
+            <a:ext cx="5051075" cy="234755"/>
+          </a:xfrm>
+          <a:prstGeom prst="rect">
+            <a:avLst/>
+          </a:prstGeom>
+          <a:noFill/>
+          <a:ln w="12700">
+            <a:solidFill>
+              <a:srgbClr val="FF7876"/>
+            </a:solidFill>
+          </a:ln>
+        </p:spPr>
+        <p:txBody>
+          <a:bodyPr wrap="square" rtlCol="0">
+            <a:spAutoFit/>
+          </a:bodyPr>
+          <a:lstStyle/>
+          <a:p>
+            <a:pPr algn="ctr"/>
+            <a:endParaRPr lang="en-US" altLang="ko-Kore-KR" sz="1100" dirty="0"/>
+          </a:p>
+        </p:txBody>
+      </p:sp>
+      <p:sp>
+        <p:nvSpPr>
+          <p:cNvPr id="35" name="TextBox 34">
+            <a:extLst>
+              <a:ext uri="{FF2B5EF4-FFF2-40B4-BE49-F238E27FC236}">
+                <a16:creationId xmlns:a16="http://schemas.microsoft.com/office/drawing/2014/main" id="{0E3A8EA2-CA42-3B46-A192-3B3E5003D378}"/>
+              </a:ext>
+            </a:extLst>
+          </p:cNvPr>
+          <p:cNvSpPr txBox="1"/>
+          <p:nvPr/>
+        </p:nvSpPr>
+        <p:spPr>
+          <a:xfrm>
+            <a:off x="5704315" y="5290014"/>
+            <a:ext cx="5914158" cy="938719"/>
+          </a:xfrm>
+          <a:prstGeom prst="rect">
+            <a:avLst/>
+          </a:prstGeom>
+          <a:noFill/>
+          <a:ln w="12700">
+            <a:solidFill>
+              <a:srgbClr val="FF7876"/>
+            </a:solidFill>
+          </a:ln>
+        </p:spPr>
+        <p:txBody>
+          <a:bodyPr wrap="square" rtlCol="0">
+            <a:spAutoFit/>
+          </a:bodyPr>
+          <a:lstStyle/>
+          <a:p>
+            <a:pPr algn="ctr"/>
+            <a:r>
+              <a:rPr lang="ko-KR" altLang="en-US" sz="1100" dirty="0"/>
+              <a:t>이번엔 </a:t>
+            </a:r>
+            <a:r>
+              <a:rPr lang="ko-KR" altLang="en-US" sz="1100" dirty="0" err="1"/>
+              <a:t>에포크는</a:t>
+            </a:r>
+            <a:r>
+              <a:rPr lang="ko-KR" altLang="en-US" sz="1100" dirty="0"/>
+              <a:t> </a:t>
+            </a:r>
+            <a:r>
+              <a:rPr lang="en-US" altLang="ko-KR" sz="1100" dirty="0"/>
+              <a:t>100</a:t>
+            </a:r>
+            <a:r>
+              <a:rPr lang="ko-KR" altLang="en-US" sz="1100" dirty="0"/>
+              <a:t>회로 설정하고 </a:t>
+            </a:r>
+            <a:r>
+              <a:rPr lang="ko-KR" altLang="en-US" sz="1100" dirty="0" err="1"/>
+              <a:t>학습률과</a:t>
+            </a:r>
+            <a:r>
+              <a:rPr lang="ko-KR" altLang="en-US" sz="1100" dirty="0"/>
+              <a:t> 배치사이즈를 조정해 보았습니다</a:t>
+            </a:r>
+            <a:r>
+              <a:rPr lang="en-US" altLang="ko-KR" sz="1100" dirty="0"/>
+              <a:t>.</a:t>
+            </a:r>
+          </a:p>
+          <a:p>
+            <a:pPr algn="ctr"/>
+            <a:r>
+              <a:rPr lang="ko-KR" altLang="en-US" sz="1100" dirty="0" err="1"/>
+              <a:t>학습률은</a:t>
+            </a:r>
+            <a:r>
+              <a:rPr lang="ko-KR" altLang="en-US" sz="1100" dirty="0"/>
+              <a:t> 기존 </a:t>
+            </a:r>
+            <a:r>
+              <a:rPr lang="en-US" altLang="ko-KR" sz="1100" dirty="0"/>
+              <a:t>0.5</a:t>
+            </a:r>
+            <a:r>
+              <a:rPr lang="ko-KR" altLang="en-US" sz="1100" dirty="0"/>
+              <a:t>에서 </a:t>
+            </a:r>
+            <a:r>
+              <a:rPr lang="en-US" altLang="ko-KR" sz="1100" dirty="0"/>
+              <a:t>0.01</a:t>
+            </a:r>
+            <a:r>
+              <a:rPr lang="ko-KR" altLang="en-US" sz="1100" dirty="0"/>
+              <a:t>로</a:t>
+            </a:r>
+            <a:r>
+              <a:rPr lang="en-US" altLang="ko-KR" sz="1100" dirty="0"/>
+              <a:t>,</a:t>
+            </a:r>
+            <a:r>
+              <a:rPr lang="ko-KR" altLang="en-US" sz="1100" dirty="0"/>
+              <a:t> 배치사이즈는 </a:t>
+            </a:r>
+            <a:r>
+              <a:rPr lang="en-US" altLang="ko-KR" sz="1100" dirty="0"/>
+              <a:t>16</a:t>
+            </a:r>
+            <a:r>
+              <a:rPr lang="ko-KR" altLang="en-US" sz="1100" dirty="0" err="1"/>
+              <a:t>으로</a:t>
+            </a:r>
+            <a:r>
+              <a:rPr lang="ko-KR" altLang="en-US" sz="1100" dirty="0"/>
+              <a:t> 조정 후 실행하였습니다</a:t>
+            </a:r>
+            <a:r>
+              <a:rPr lang="en-US" altLang="ko-KR" sz="1100" dirty="0"/>
+              <a:t>.</a:t>
+            </a:r>
+          </a:p>
+          <a:p>
+            <a:pPr algn="ctr"/>
+            <a:r>
+              <a:rPr lang="ko-KR" altLang="en-US" sz="1100" dirty="0"/>
+              <a:t>실행 결과 이전 결과들보다 훨씬 더 평균에 가까운 모습을 보이고있습니다</a:t>
+            </a:r>
+            <a:r>
+              <a:rPr lang="en-US" altLang="ko-KR" sz="1100" dirty="0"/>
+              <a:t>.</a:t>
+            </a:r>
+          </a:p>
+          <a:p>
+            <a:pPr algn="ctr"/>
+            <a:r>
+              <a:rPr lang="ko-KR" altLang="en-US" sz="1100" dirty="0"/>
+              <a:t>단순 </a:t>
+            </a:r>
+            <a:r>
+              <a:rPr lang="ko-KR" altLang="en-US" sz="1100" dirty="0" err="1"/>
+              <a:t>반복회수의</a:t>
+            </a:r>
+            <a:r>
+              <a:rPr lang="ko-KR" altLang="en-US" sz="1100" dirty="0"/>
+              <a:t> 증가보다 </a:t>
+            </a:r>
+            <a:r>
+              <a:rPr lang="ko-KR" altLang="en-US" sz="1100" dirty="0" err="1"/>
+              <a:t>학습률</a:t>
+            </a:r>
+            <a:r>
+              <a:rPr lang="en-US" altLang="ko-KR" sz="1100" dirty="0"/>
+              <a:t>,</a:t>
+            </a:r>
+            <a:r>
+              <a:rPr lang="ko-KR" altLang="en-US" sz="1100" dirty="0"/>
+              <a:t> 배치사이즈등의 조정으로</a:t>
+            </a:r>
+            <a:endParaRPr lang="en-US" altLang="ko-KR" sz="1100" dirty="0"/>
+          </a:p>
+          <a:p>
+            <a:pPr algn="ctr"/>
+            <a:r>
+              <a:rPr lang="ko-KR" altLang="en-US" sz="1100" dirty="0"/>
+              <a:t>더 큰 학습결과를 볼 수 </a:t>
+            </a:r>
+            <a:r>
+              <a:rPr lang="ko-KR" altLang="en-US" sz="1100" dirty="0" err="1"/>
+              <a:t>있다는것을</a:t>
+            </a:r>
+            <a:r>
+              <a:rPr lang="ko-KR" altLang="en-US" sz="1100" dirty="0"/>
+              <a:t> 알게 되었습니다</a:t>
+            </a:r>
+            <a:r>
+              <a:rPr lang="en-US" altLang="ko-KR" sz="1100" dirty="0"/>
+              <a:t>.</a:t>
+            </a:r>
+          </a:p>
+        </p:txBody>
+      </p:sp>
+      <p:sp>
+        <p:nvSpPr>
+          <p:cNvPr id="19" name="TextBox 18">
+            <a:extLst>
+              <a:ext uri="{FF2B5EF4-FFF2-40B4-BE49-F238E27FC236}">
+                <a16:creationId xmlns:a16="http://schemas.microsoft.com/office/drawing/2014/main" id="{129E95C6-622C-BA46-8F7B-73F9E9FB8D3A}"/>
+              </a:ext>
+            </a:extLst>
+          </p:cNvPr>
+          <p:cNvSpPr txBox="1"/>
+          <p:nvPr/>
+        </p:nvSpPr>
+        <p:spPr>
+          <a:xfrm>
+            <a:off x="6018860" y="1762495"/>
+            <a:ext cx="5475059" cy="261610"/>
+          </a:xfrm>
+          <a:prstGeom prst="rect">
+            <a:avLst/>
+          </a:prstGeom>
+          <a:noFill/>
+          <a:ln w="12700">
+            <a:solidFill>
+              <a:srgbClr val="FF7876"/>
+            </a:solidFill>
+          </a:ln>
+        </p:spPr>
+        <p:txBody>
+          <a:bodyPr wrap="square" rtlCol="0">
+            <a:spAutoFit/>
+          </a:bodyPr>
+          <a:lstStyle/>
+          <a:p>
+            <a:pPr algn="ctr"/>
+            <a:endParaRPr lang="en-US" altLang="ko-Kore-KR" sz="1100" dirty="0"/>
+          </a:p>
+        </p:txBody>
+      </p:sp>
+      <p:sp>
+        <p:nvSpPr>
+          <p:cNvPr id="12" name="TextBox 11">
+            <a:extLst>
+              <a:ext uri="{FF2B5EF4-FFF2-40B4-BE49-F238E27FC236}">
+                <a16:creationId xmlns:a16="http://schemas.microsoft.com/office/drawing/2014/main" id="{0C20B202-3AE0-6B45-98B4-78F7095A42E1}"/>
+              </a:ext>
+            </a:extLst>
+          </p:cNvPr>
+          <p:cNvSpPr txBox="1"/>
+          <p:nvPr/>
+        </p:nvSpPr>
+        <p:spPr>
+          <a:xfrm>
+            <a:off x="208749" y="4470969"/>
+            <a:ext cx="3044250" cy="234755"/>
+          </a:xfrm>
+          <a:prstGeom prst="rect">
+            <a:avLst/>
+          </a:prstGeom>
+          <a:noFill/>
+          <a:ln w="12700">
+            <a:solidFill>
+              <a:srgbClr val="FF7876"/>
+            </a:solidFill>
+          </a:ln>
+        </p:spPr>
+        <p:txBody>
+          <a:bodyPr wrap="square" rtlCol="0">
+            <a:spAutoFit/>
+          </a:bodyPr>
+          <a:lstStyle/>
+          <a:p>
+            <a:pPr algn="ctr"/>
+            <a:endParaRPr lang="en-US" altLang="ko-Kore-KR" sz="1100" dirty="0"/>
+          </a:p>
+        </p:txBody>
+      </p:sp>
+    </p:spTree>
+    <p:extLst>
+      <p:ext uri="{BB962C8B-B14F-4D97-AF65-F5344CB8AC3E}">
+        <p14:creationId xmlns:p14="http://schemas.microsoft.com/office/powerpoint/2010/main" val="1354176682"/>
+      </p:ext>
+    </p:extLst>
+  </p:cSld>
+  <p:clrMapOvr>
+    <a:masterClrMapping/>
+  </p:clrMapOvr>
+</p:sld>
+</file>
+
+<file path=ppt/slides/slide13.xml><?xml version="1.0" encoding="utf-8"?>
+<p:sld xmlns:a="http://schemas.openxmlformats.org/drawingml/2006/main" xmlns:r="http://schemas.openxmlformats.org/officeDocument/2006/relationships" xmlns:p="http://schemas.openxmlformats.org/presentationml/2006/main">
+  <p:cSld>
+    <p:spTree>
+      <p:nvGrpSpPr>
+        <p:cNvPr id="1" name=""/>
+        <p:cNvGrpSpPr/>
+        <p:nvPr/>
+      </p:nvGrpSpPr>
+      <p:grpSpPr>
+        <a:xfrm>
+          <a:off x="0" y="0"/>
+          <a:ext cx="0" cy="0"/>
+          <a:chOff x="0" y="0"/>
+          <a:chExt cx="0" cy="0"/>
+        </a:xfrm>
+      </p:grpSpPr>
+      <p:sp>
+        <p:nvSpPr>
+          <p:cNvPr id="37" name="직사각형 36">
+            <a:extLst>
+              <a:ext uri="{FF2B5EF4-FFF2-40B4-BE49-F238E27FC236}">
+                <a16:creationId xmlns:a16="http://schemas.microsoft.com/office/drawing/2014/main" id="{3F15C60C-17FE-422D-AFCF-73C75A021362}"/>
+              </a:ext>
+            </a:extLst>
+          </p:cNvPr>
+          <p:cNvSpPr/>
+          <p:nvPr/>
+        </p:nvSpPr>
+        <p:spPr>
+          <a:xfrm>
+            <a:off x="3697172" y="332194"/>
+            <a:ext cx="4713765" cy="735842"/>
+          </a:xfrm>
+          <a:prstGeom prst="rect">
+            <a:avLst/>
+          </a:prstGeom>
+        </p:spPr>
+        <p:txBody>
+          <a:bodyPr wrap="square">
+            <a:spAutoFit/>
+          </a:bodyPr>
+          <a:lstStyle/>
+          <a:p>
+            <a:pPr algn="ctr" latinLnBrk="0">
+              <a:lnSpc>
+                <a:spcPct val="150000"/>
+              </a:lnSpc>
+              <a:defRPr/>
+            </a:pPr>
+            <a:r>
+              <a:rPr lang="en-US" altLang="ko-KR" sz="3200" b="1" i="1" kern="0" dirty="0">
+                <a:solidFill>
+                  <a:srgbClr val="FF7876"/>
+                </a:solidFill>
+              </a:rPr>
+              <a:t>2</a:t>
+            </a:r>
+          </a:p>
+        </p:txBody>
+      </p:sp>
+      <p:cxnSp>
+        <p:nvCxnSpPr>
+          <p:cNvPr id="38" name="직선 연결선 37">
+            <a:extLst>
+              <a:ext uri="{FF2B5EF4-FFF2-40B4-BE49-F238E27FC236}">
+                <a16:creationId xmlns:a16="http://schemas.microsoft.com/office/drawing/2014/main" id="{940134F4-F272-426A-B50B-8075427DF501}"/>
+              </a:ext>
+            </a:extLst>
+          </p:cNvPr>
+          <p:cNvCxnSpPr>
+            <a:cxnSpLocks/>
+          </p:cNvCxnSpPr>
+          <p:nvPr/>
+        </p:nvCxnSpPr>
+        <p:spPr>
+          <a:xfrm flipV="1">
+            <a:off x="843148" y="847712"/>
+            <a:ext cx="4769087" cy="1"/>
+          </a:xfrm>
+          <a:prstGeom prst="line">
+            <a:avLst/>
+          </a:prstGeom>
+          <a:ln w="6350">
+            <a:solidFill>
+              <a:srgbClr val="FF7876"/>
+            </a:solidFill>
+            <a:prstDash val="sysDash"/>
+            <a:tailEnd type="oval"/>
+          </a:ln>
+        </p:spPr>
+        <p:style>
+          <a:lnRef idx="1">
+            <a:schemeClr val="accent1"/>
+          </a:lnRef>
+          <a:fillRef idx="0">
+            <a:schemeClr val="accent1"/>
+          </a:fillRef>
+          <a:effectRef idx="0">
+            <a:schemeClr val="accent1"/>
+          </a:effectRef>
+          <a:fontRef idx="minor">
+            <a:schemeClr val="tx1"/>
+          </a:fontRef>
+        </p:style>
+      </p:cxnSp>
+      <p:cxnSp>
+        <p:nvCxnSpPr>
+          <p:cNvPr id="39" name="직선 연결선 38">
+            <a:extLst>
+              <a:ext uri="{FF2B5EF4-FFF2-40B4-BE49-F238E27FC236}">
+                <a16:creationId xmlns:a16="http://schemas.microsoft.com/office/drawing/2014/main" id="{55EBD739-0979-4546-8E6B-9CA8052FC540}"/>
+              </a:ext>
+            </a:extLst>
+          </p:cNvPr>
+          <p:cNvCxnSpPr>
+            <a:cxnSpLocks/>
+          </p:cNvCxnSpPr>
+          <p:nvPr/>
+        </p:nvCxnSpPr>
+        <p:spPr>
+          <a:xfrm flipH="1">
+            <a:off x="6579767" y="847712"/>
+            <a:ext cx="4692810" cy="0"/>
+          </a:xfrm>
+          <a:prstGeom prst="line">
+            <a:avLst/>
+          </a:prstGeom>
+          <a:ln w="6350">
+            <a:solidFill>
+              <a:srgbClr val="FF7876"/>
+            </a:solidFill>
+            <a:prstDash val="sysDash"/>
+            <a:tailEnd type="oval"/>
+          </a:ln>
+        </p:spPr>
+        <p:style>
+          <a:lnRef idx="1">
+            <a:schemeClr val="accent1"/>
+          </a:lnRef>
+          <a:fillRef idx="0">
+            <a:schemeClr val="accent1"/>
+          </a:fillRef>
+          <a:effectRef idx="0">
+            <a:schemeClr val="accent1"/>
+          </a:effectRef>
+          <a:fontRef idx="minor">
+            <a:schemeClr val="tx1"/>
+          </a:fontRef>
+        </p:style>
+      </p:cxnSp>
+      <p:sp>
+        <p:nvSpPr>
+          <p:cNvPr id="11" name="TextBox 10">
+            <a:extLst>
+              <a:ext uri="{FF2B5EF4-FFF2-40B4-BE49-F238E27FC236}">
+                <a16:creationId xmlns:a16="http://schemas.microsoft.com/office/drawing/2014/main" id="{4B825D75-47BE-4247-BE4D-F7D4F36F4B08}"/>
+              </a:ext>
+            </a:extLst>
+          </p:cNvPr>
+          <p:cNvSpPr txBox="1"/>
+          <p:nvPr/>
+        </p:nvSpPr>
+        <p:spPr>
+          <a:xfrm>
+            <a:off x="2752639" y="5463991"/>
+            <a:ext cx="6686722" cy="430887"/>
+          </a:xfrm>
+          <a:prstGeom prst="rect">
+            <a:avLst/>
+          </a:prstGeom>
+          <a:noFill/>
+          <a:ln w="12700">
+            <a:solidFill>
+              <a:srgbClr val="FF7876"/>
+            </a:solidFill>
+          </a:ln>
+        </p:spPr>
+        <p:txBody>
+          <a:bodyPr wrap="square" rtlCol="0">
+            <a:spAutoFit/>
+          </a:bodyPr>
+          <a:lstStyle/>
+          <a:p>
+            <a:pPr algn="ctr"/>
+            <a:r>
+              <a:rPr lang="ko-Kore-KR" altLang="en-US" sz="1100" dirty="0"/>
+              <a:t>이번과제의 최종 코드와 작업물들은 제 깃에서 확인 가능합니다</a:t>
+            </a:r>
+            <a:r>
+              <a:rPr lang="en-US" altLang="ko-Kore-KR" sz="1100" dirty="0"/>
+              <a:t>.</a:t>
+            </a:r>
+          </a:p>
+          <a:p>
+            <a:pPr algn="ctr"/>
+            <a:r>
+              <a:rPr lang="en-US" altLang="ko-Kore-KR" sz="1100" dirty="0"/>
+              <a:t>https://</a:t>
+            </a:r>
+            <a:r>
+              <a:rPr lang="en-US" altLang="ko-Kore-KR" sz="1100" dirty="0" err="1"/>
+              <a:t>github.com</a:t>
+            </a:r>
+            <a:r>
+              <a:rPr lang="en-US" altLang="ko-Kore-KR" sz="1100" dirty="0"/>
+              <a:t>/yooatom2200/Programing_Base_2/tree/main/7%EC%9E%A5</a:t>
+            </a:r>
+          </a:p>
+        </p:txBody>
+      </p:sp>
+      <p:sp>
+        <p:nvSpPr>
+          <p:cNvPr id="12" name="TextBox 11">
+            <a:extLst>
+              <a:ext uri="{FF2B5EF4-FFF2-40B4-BE49-F238E27FC236}">
+                <a16:creationId xmlns:a16="http://schemas.microsoft.com/office/drawing/2014/main" id="{459CFBE9-C6B1-CE4F-BF6A-3075D8B4C5EF}"/>
+              </a:ext>
+            </a:extLst>
+          </p:cNvPr>
+          <p:cNvSpPr txBox="1"/>
+          <p:nvPr/>
+        </p:nvSpPr>
+        <p:spPr>
+          <a:xfrm>
+            <a:off x="765146" y="963122"/>
+            <a:ext cx="10507430" cy="261610"/>
+          </a:xfrm>
+          <a:prstGeom prst="rect">
+            <a:avLst/>
+          </a:prstGeom>
+          <a:noFill/>
+        </p:spPr>
+        <p:txBody>
+          <a:bodyPr wrap="square" rtlCol="0">
+            <a:spAutoFit/>
+          </a:bodyPr>
+          <a:lstStyle/>
+          <a:p>
+            <a:pPr algn="ctr"/>
+            <a:r>
+              <a:rPr lang="ko-KR" altLang="en-US" sz="1100" i="1" dirty="0" err="1">
+                <a:solidFill>
+                  <a:srgbClr val="FF7876"/>
+                </a:solidFill>
+              </a:rPr>
+              <a:t>경사하강법</a:t>
+            </a:r>
+            <a:r>
+              <a:rPr lang="ko-KR" altLang="en-US" sz="1100" i="1" dirty="0">
+                <a:solidFill>
+                  <a:srgbClr val="FF7876"/>
+                </a:solidFill>
+              </a:rPr>
+              <a:t> 선형회귀분석 코드 </a:t>
+            </a:r>
+            <a:r>
+              <a:rPr lang="en-US" altLang="ko-KR" sz="1100" i="1" dirty="0">
+                <a:solidFill>
+                  <a:srgbClr val="FF7876"/>
+                </a:solidFill>
+              </a:rPr>
+              <a:t>–</a:t>
+            </a:r>
+            <a:r>
+              <a:rPr lang="ko-KR" altLang="en-US" sz="1100" i="1" dirty="0">
+                <a:solidFill>
+                  <a:srgbClr val="FF7876"/>
+                </a:solidFill>
+              </a:rPr>
+              <a:t> 예시 수정 </a:t>
+            </a:r>
+            <a:r>
+              <a:rPr lang="en-US" altLang="ko-KR" sz="1100" i="1" dirty="0">
+                <a:solidFill>
+                  <a:srgbClr val="FF7876"/>
+                </a:solidFill>
+              </a:rPr>
+              <a:t>(</a:t>
+            </a:r>
+            <a:r>
+              <a:rPr lang="ko-KR" altLang="en-US" sz="1100" i="1" dirty="0">
+                <a:solidFill>
+                  <a:srgbClr val="FF7876"/>
+                </a:solidFill>
+              </a:rPr>
+              <a:t> </a:t>
+            </a:r>
+            <a:r>
+              <a:rPr lang="ko-KR" altLang="en-US" sz="1100" i="1" dirty="0" err="1">
+                <a:solidFill>
+                  <a:srgbClr val="FF7876"/>
+                </a:solidFill>
+              </a:rPr>
+              <a:t>학습률</a:t>
+            </a:r>
+            <a:r>
+              <a:rPr lang="en-US" altLang="ko-KR" sz="1100" i="1" dirty="0">
+                <a:solidFill>
+                  <a:srgbClr val="FF7876"/>
+                </a:solidFill>
+              </a:rPr>
+              <a:t>,</a:t>
+            </a:r>
+            <a:r>
+              <a:rPr lang="ko-KR" altLang="en-US" sz="1100" i="1" dirty="0">
+                <a:solidFill>
+                  <a:srgbClr val="FF7876"/>
+                </a:solidFill>
+              </a:rPr>
+              <a:t> </a:t>
+            </a:r>
+            <a:r>
+              <a:rPr lang="ko-KR" altLang="en-US" sz="1100" i="1" dirty="0" err="1">
+                <a:solidFill>
+                  <a:srgbClr val="FF7876"/>
+                </a:solidFill>
+              </a:rPr>
+              <a:t>배치사이즈</a:t>
+            </a:r>
+            <a:r>
+              <a:rPr lang="en-US" altLang="ko-KR" sz="1100" i="1" dirty="0">
+                <a:solidFill>
+                  <a:srgbClr val="FF7876"/>
+                </a:solidFill>
+              </a:rPr>
+              <a:t>,</a:t>
+            </a:r>
+            <a:r>
+              <a:rPr lang="ko-KR" altLang="en-US" sz="1100" i="1" dirty="0">
+                <a:solidFill>
+                  <a:srgbClr val="FF7876"/>
+                </a:solidFill>
+              </a:rPr>
+              <a:t> </a:t>
+            </a:r>
+            <a:r>
+              <a:rPr lang="ko-KR" altLang="en-US" sz="1100" i="1" dirty="0" err="1">
+                <a:solidFill>
+                  <a:srgbClr val="FF7876"/>
+                </a:solidFill>
+              </a:rPr>
+              <a:t>에포크</a:t>
+            </a:r>
+            <a:r>
+              <a:rPr lang="ko-KR" altLang="en-US" sz="1100" i="1" dirty="0">
+                <a:solidFill>
+                  <a:srgbClr val="FF7876"/>
+                </a:solidFill>
+              </a:rPr>
+              <a:t> 조정 </a:t>
+            </a:r>
+            <a:r>
+              <a:rPr lang="en-US" altLang="ko-KR" sz="1100" i="1" dirty="0">
+                <a:solidFill>
+                  <a:srgbClr val="FF7876"/>
+                </a:solidFill>
+              </a:rPr>
+              <a:t>)</a:t>
+            </a:r>
+          </a:p>
+        </p:txBody>
+      </p:sp>
     </p:spTree>
     <p:extLst>
       <p:ext uri="{BB962C8B-B14F-4D97-AF65-F5344CB8AC3E}">
@@ -4580,7 +6033,7 @@
 </p:sld>
 </file>
 
-<file path=ppt/slides/slide11.xml><?xml version="1.0" encoding="utf-8"?>
+<file path=ppt/slides/slide14.xml><?xml version="1.0" encoding="utf-8"?>
 <p:sld xmlns:a="http://schemas.openxmlformats.org/drawingml/2006/main" xmlns:r="http://schemas.openxmlformats.org/officeDocument/2006/relationships" xmlns:p="http://schemas.openxmlformats.org/presentationml/2006/main">
   <p:cSld>
     <p:spTree>
@@ -9378,6 +10831,36 @@
           <a:chExt cx="0" cy="0"/>
         </a:xfrm>
       </p:grpSpPr>
+      <p:pic>
+        <p:nvPicPr>
+          <p:cNvPr id="32" name="그림 31">
+            <a:extLst>
+              <a:ext uri="{FF2B5EF4-FFF2-40B4-BE49-F238E27FC236}">
+                <a16:creationId xmlns:a16="http://schemas.microsoft.com/office/drawing/2014/main" id="{652D70B7-D0F7-AF49-90D5-DF0212C9A28A}"/>
+              </a:ext>
+            </a:extLst>
+          </p:cNvPr>
+          <p:cNvPicPr>
+            <a:picLocks noChangeAspect="1"/>
+          </p:cNvPicPr>
+          <p:nvPr/>
+        </p:nvPicPr>
+        <p:blipFill>
+          <a:blip r:embed="rId2"/>
+          <a:stretch>
+            <a:fillRect/>
+          </a:stretch>
+        </p:blipFill>
+        <p:spPr>
+          <a:xfrm>
+            <a:off x="305403" y="1494824"/>
+            <a:ext cx="4938196" cy="4897884"/>
+          </a:xfrm>
+          <a:prstGeom prst="rect">
+            <a:avLst/>
+          </a:prstGeom>
+        </p:spPr>
+      </p:pic>
       <p:sp>
         <p:nvSpPr>
           <p:cNvPr id="37" name="직사각형 36">
@@ -9581,25 +11064,453 @@
           </a:p>
         </p:txBody>
       </p:sp>
+      <p:sp>
+        <p:nvSpPr>
+          <p:cNvPr id="18" name="TextBox 17">
+            <a:extLst>
+              <a:ext uri="{FF2B5EF4-FFF2-40B4-BE49-F238E27FC236}">
+                <a16:creationId xmlns:a16="http://schemas.microsoft.com/office/drawing/2014/main" id="{6D943C5F-1424-2340-B6C8-02302E05F9D4}"/>
+              </a:ext>
+            </a:extLst>
+          </p:cNvPr>
+          <p:cNvSpPr txBox="1"/>
+          <p:nvPr/>
+        </p:nvSpPr>
+        <p:spPr>
+          <a:xfrm>
+            <a:off x="5849972" y="1707487"/>
+            <a:ext cx="5495062" cy="1277273"/>
+          </a:xfrm>
+          <a:prstGeom prst="rect">
+            <a:avLst/>
+          </a:prstGeom>
+          <a:noFill/>
+          <a:ln w="12700">
+            <a:solidFill>
+              <a:srgbClr val="FF7876"/>
+            </a:solidFill>
+          </a:ln>
+        </p:spPr>
+        <p:txBody>
+          <a:bodyPr wrap="square" rtlCol="0">
+            <a:spAutoFit/>
+          </a:bodyPr>
+          <a:lstStyle/>
+          <a:p>
+            <a:pPr algn="ctr"/>
+            <a:r>
+              <a:rPr lang="ko-KR" altLang="en-US" sz="1100" dirty="0"/>
+              <a:t>먼저 학습 데이터를 생성해 줍니다</a:t>
+            </a:r>
+            <a:r>
+              <a:rPr lang="en-US" altLang="ko-KR" sz="1100" dirty="0"/>
+              <a:t>.</a:t>
+            </a:r>
+          </a:p>
+          <a:p>
+            <a:pPr algn="ctr"/>
+            <a:r>
+              <a:rPr lang="ko-KR" altLang="en-US" sz="1100" dirty="0"/>
+              <a:t>데이터는 좌표 형식으로 제공되며</a:t>
+            </a:r>
+            <a:endParaRPr lang="en-US" altLang="ko-KR" sz="1100" dirty="0"/>
+          </a:p>
+          <a:p>
+            <a:pPr algn="ctr"/>
+            <a:r>
+              <a:rPr lang="en-US" altLang="ko-KR" sz="1100" dirty="0"/>
+              <a:t>x</a:t>
+            </a:r>
+            <a:r>
+              <a:rPr lang="ko-KR" altLang="en-US" sz="1100" dirty="0"/>
+              <a:t>값은 </a:t>
+            </a:r>
+            <a:r>
+              <a:rPr lang="en-US" altLang="ko-KR" sz="1100" dirty="0"/>
+              <a:t>0.0</a:t>
+            </a:r>
+            <a:r>
+              <a:rPr lang="ko-KR" altLang="en-US" sz="1100" dirty="0"/>
+              <a:t>에서 </a:t>
+            </a:r>
+            <a:r>
+              <a:rPr lang="en-US" altLang="ko-KR" sz="1100" dirty="0"/>
+              <a:t>0.55</a:t>
+            </a:r>
+            <a:r>
+              <a:rPr lang="ko-KR" altLang="en-US" sz="1100" dirty="0"/>
+              <a:t>사이의 </a:t>
+            </a:r>
+            <a:r>
+              <a:rPr lang="ko-KR" altLang="en-US" sz="1100" dirty="0" err="1"/>
+              <a:t>랜덤값으로</a:t>
+            </a:r>
+            <a:r>
+              <a:rPr lang="ko-KR" altLang="en-US" sz="1100" dirty="0"/>
+              <a:t> 제공하며</a:t>
+            </a:r>
+            <a:endParaRPr lang="en-US" altLang="ko-KR" sz="1100" dirty="0"/>
+          </a:p>
+          <a:p>
+            <a:pPr algn="ctr"/>
+            <a:r>
+              <a:rPr lang="en-US" altLang="ko-KR" sz="1100" dirty="0"/>
+              <a:t>y</a:t>
+            </a:r>
+            <a:r>
+              <a:rPr lang="ko-KR" altLang="en-US" sz="1100" dirty="0"/>
+              <a:t>값은 생성한 </a:t>
+            </a:r>
+            <a:r>
+              <a:rPr lang="en-US" altLang="ko-KR" sz="1100" dirty="0"/>
+              <a:t>x</a:t>
+            </a:r>
+            <a:r>
+              <a:rPr lang="ko-KR" altLang="en-US" sz="1100" dirty="0"/>
+              <a:t>값에서 </a:t>
+            </a:r>
+            <a:r>
+              <a:rPr lang="en-US" altLang="ko-KR" sz="1100" dirty="0"/>
+              <a:t>0.1</a:t>
+            </a:r>
+            <a:r>
+              <a:rPr lang="ko-KR" altLang="en-US" sz="1100" dirty="0"/>
+              <a:t>을 곱하고 </a:t>
+            </a:r>
+            <a:r>
+              <a:rPr lang="en-US" altLang="ko-KR" sz="1100" dirty="0"/>
+              <a:t>0.3</a:t>
+            </a:r>
+            <a:r>
+              <a:rPr lang="ko-KR" altLang="en-US" sz="1100" dirty="0"/>
+              <a:t>을 더한 뒤 </a:t>
+            </a:r>
+            <a:r>
+              <a:rPr lang="ko-KR" altLang="en-US" sz="1100" dirty="0" err="1"/>
+              <a:t>랜덤값으로</a:t>
+            </a:r>
+            <a:endParaRPr lang="en-US" altLang="ko-KR" sz="1100" dirty="0"/>
+          </a:p>
+          <a:p>
+            <a:pPr algn="ctr"/>
+            <a:r>
+              <a:rPr lang="en-US" altLang="ko-KR" sz="1100" dirty="0"/>
+              <a:t>0.0~0.03</a:t>
+            </a:r>
+            <a:r>
+              <a:rPr lang="ko-KR" altLang="en-US" sz="1100" dirty="0"/>
+              <a:t>사이의 값을 추가로 더해준 값을 입력합니다</a:t>
+            </a:r>
+            <a:r>
+              <a:rPr lang="en-US" altLang="ko-KR" sz="1100" dirty="0"/>
+              <a:t>.</a:t>
+            </a:r>
+          </a:p>
+          <a:p>
+            <a:pPr algn="ctr"/>
+            <a:r>
+              <a:rPr lang="ko-KR" altLang="en-US" sz="1100" dirty="0"/>
+              <a:t>이후 </a:t>
+            </a:r>
+            <a:r>
+              <a:rPr lang="en-US" altLang="ko-KR" sz="1100" dirty="0"/>
+              <a:t>x</a:t>
+            </a:r>
+            <a:r>
+              <a:rPr lang="ko-KR" altLang="en-US" sz="1100" dirty="0"/>
+              <a:t>와 </a:t>
+            </a:r>
+            <a:r>
+              <a:rPr lang="en-US" altLang="ko-KR" sz="1100" dirty="0"/>
+              <a:t>y</a:t>
+            </a:r>
+            <a:r>
+              <a:rPr lang="ko-KR" altLang="en-US" sz="1100" dirty="0" err="1"/>
+              <a:t>를</a:t>
+            </a:r>
+            <a:r>
+              <a:rPr lang="ko-KR" altLang="en-US" sz="1100" dirty="0"/>
+              <a:t> </a:t>
+            </a:r>
+            <a:r>
+              <a:rPr lang="ko-KR" altLang="en-US" sz="1100" dirty="0" err="1"/>
+              <a:t>좌표쌍으로</a:t>
+            </a:r>
+            <a:r>
+              <a:rPr lang="ko-KR" altLang="en-US" sz="1100" dirty="0"/>
+              <a:t> 생성해 준 후</a:t>
+            </a:r>
+            <a:endParaRPr lang="en-US" altLang="ko-KR" sz="1100" dirty="0"/>
+          </a:p>
+          <a:p>
+            <a:pPr algn="ctr"/>
+            <a:r>
+              <a:rPr lang="ko-KR" altLang="en-US" sz="1100" dirty="0"/>
+              <a:t>각 데이터들을 </a:t>
+            </a:r>
+            <a:r>
+              <a:rPr lang="en-US" altLang="ko-KR" sz="1100" dirty="0" err="1"/>
+              <a:t>x_data</a:t>
+            </a:r>
+            <a:r>
+              <a:rPr lang="ko-KR" altLang="en-US" sz="1100" dirty="0"/>
+              <a:t>와 </a:t>
+            </a:r>
+            <a:r>
+              <a:rPr lang="en-US" altLang="ko-KR" sz="1100" dirty="0" err="1"/>
+              <a:t>y_data</a:t>
+            </a:r>
+            <a:r>
+              <a:rPr lang="ko-KR" altLang="en-US" sz="1100" dirty="0"/>
+              <a:t>에 저장해줍니다</a:t>
+            </a:r>
+            <a:r>
+              <a:rPr lang="en-US" altLang="ko-KR" sz="1100" dirty="0"/>
+              <a:t>.</a:t>
+            </a:r>
+          </a:p>
+        </p:txBody>
+      </p:sp>
+      <p:sp>
+        <p:nvSpPr>
+          <p:cNvPr id="26" name="TextBox 25">
+            <a:extLst>
+              <a:ext uri="{FF2B5EF4-FFF2-40B4-BE49-F238E27FC236}">
+                <a16:creationId xmlns:a16="http://schemas.microsoft.com/office/drawing/2014/main" id="{4821188F-1076-9D4B-825B-58B55608DCC1}"/>
+              </a:ext>
+            </a:extLst>
+          </p:cNvPr>
+          <p:cNvSpPr txBox="1"/>
+          <p:nvPr/>
+        </p:nvSpPr>
+        <p:spPr>
+          <a:xfrm>
+            <a:off x="5849972" y="3335207"/>
+            <a:ext cx="5914158" cy="1446550"/>
+          </a:xfrm>
+          <a:prstGeom prst="rect">
+            <a:avLst/>
+          </a:prstGeom>
+          <a:noFill/>
+          <a:ln w="12700">
+            <a:solidFill>
+              <a:srgbClr val="FF7876"/>
+            </a:solidFill>
+          </a:ln>
+        </p:spPr>
+        <p:txBody>
+          <a:bodyPr wrap="square" rtlCol="0">
+            <a:spAutoFit/>
+          </a:bodyPr>
+          <a:lstStyle/>
+          <a:p>
+            <a:pPr algn="ctr"/>
+            <a:r>
+              <a:rPr lang="ko-KR" altLang="en-US" sz="1100" dirty="0"/>
+              <a:t>이후 러닝을 위해 </a:t>
+            </a:r>
+            <a:r>
+              <a:rPr lang="ko-KR" altLang="en-US" sz="1100" dirty="0" err="1"/>
+              <a:t>러닝모델을</a:t>
+            </a:r>
+            <a:r>
+              <a:rPr lang="ko-KR" altLang="en-US" sz="1100" dirty="0"/>
+              <a:t> 생성해줍니다</a:t>
+            </a:r>
+            <a:r>
+              <a:rPr lang="en-US" altLang="ko-KR" sz="1100" dirty="0"/>
+              <a:t>.</a:t>
+            </a:r>
+          </a:p>
+          <a:p>
+            <a:pPr algn="ctr"/>
+            <a:r>
+              <a:rPr lang="ko-KR" altLang="en-US" sz="1100" dirty="0"/>
+              <a:t>러닝 모델 구조는 </a:t>
+            </a:r>
+            <a:r>
+              <a:rPr lang="en-US" altLang="ko-KR" sz="1100" dirty="0"/>
+              <a:t>1</a:t>
+            </a:r>
+            <a:r>
+              <a:rPr lang="ko-KR" altLang="en-US" sz="1100" dirty="0"/>
+              <a:t>개의 층으로 </a:t>
+            </a:r>
+            <a:r>
+              <a:rPr lang="en-US" altLang="ko-KR" sz="1100" dirty="0"/>
+              <a:t>x</a:t>
+            </a:r>
+            <a:r>
+              <a:rPr lang="ko-KR" altLang="en-US" sz="1100" dirty="0"/>
+              <a:t>와 </a:t>
+            </a:r>
+            <a:r>
+              <a:rPr lang="en-US" altLang="ko-KR" sz="1100" dirty="0"/>
+              <a:t>y</a:t>
+            </a:r>
+            <a:r>
+              <a:rPr lang="ko-KR" altLang="en-US" sz="1100" dirty="0"/>
+              <a:t>값을 이용한 좌표들을 나타내는</a:t>
+            </a:r>
+            <a:endParaRPr lang="en-US" altLang="ko-KR" sz="1100" dirty="0"/>
+          </a:p>
+          <a:p>
+            <a:pPr algn="ctr"/>
+            <a:r>
+              <a:rPr lang="ko-KR" altLang="en-US" sz="1100" dirty="0"/>
+              <a:t>평균적인 선을 </a:t>
+            </a:r>
+            <a:r>
+              <a:rPr lang="ko-KR" altLang="en-US" sz="1100" dirty="0" err="1"/>
+              <a:t>나타내는것을</a:t>
+            </a:r>
+            <a:r>
+              <a:rPr lang="ko-KR" altLang="en-US" sz="1100" dirty="0"/>
+              <a:t> 학습시킵니다</a:t>
+            </a:r>
+            <a:r>
+              <a:rPr lang="en-US" altLang="ko-KR" sz="1100" dirty="0"/>
+              <a:t>.</a:t>
+            </a:r>
+          </a:p>
+          <a:p>
+            <a:pPr algn="ctr"/>
+            <a:r>
+              <a:rPr lang="ko-KR" altLang="en-US" sz="1100" dirty="0"/>
+              <a:t>층의 구조는 선형의 활성화 함수를 사용하는 </a:t>
+            </a:r>
+            <a:r>
+              <a:rPr lang="ko-KR" altLang="en-US" sz="1100" dirty="0" err="1"/>
+              <a:t>입력값</a:t>
+            </a:r>
+            <a:r>
+              <a:rPr lang="ko-KR" altLang="en-US" sz="1100" dirty="0"/>
+              <a:t> 하나의 노드 하나를 가진 층 하나만을 사용합니다</a:t>
+            </a:r>
+            <a:r>
+              <a:rPr lang="en-US" altLang="ko-KR" sz="1100" dirty="0"/>
+              <a:t>.</a:t>
+            </a:r>
+          </a:p>
+          <a:p>
+            <a:pPr algn="ctr"/>
+            <a:r>
+              <a:rPr lang="ko-KR" altLang="en-US" sz="1100" dirty="0" err="1"/>
+              <a:t>학습률은</a:t>
+            </a:r>
+            <a:r>
+              <a:rPr lang="ko-KR" altLang="en-US" sz="1100" dirty="0"/>
+              <a:t> </a:t>
+            </a:r>
+            <a:r>
+              <a:rPr lang="en-US" altLang="ko-KR" sz="1100" dirty="0"/>
+              <a:t>0.5,</a:t>
+            </a:r>
+            <a:r>
+              <a:rPr lang="ko-KR" altLang="en-US" sz="1100" dirty="0"/>
+              <a:t> </a:t>
+            </a:r>
+            <a:r>
+              <a:rPr lang="ko-KR" altLang="en-US" sz="1100" dirty="0" err="1"/>
+              <a:t>손실함수는</a:t>
+            </a:r>
+            <a:r>
+              <a:rPr lang="ko-KR" altLang="en-US" sz="1100" dirty="0"/>
+              <a:t> 평균제곱오차를 사용하고 </a:t>
+            </a:r>
+            <a:r>
+              <a:rPr lang="ko-KR" altLang="en-US" sz="1100" dirty="0" err="1"/>
+              <a:t>옵티마이저로</a:t>
+            </a:r>
+            <a:r>
+              <a:rPr lang="ko-KR" altLang="en-US" sz="1100" dirty="0"/>
+              <a:t> 경사하강법을 사용합니다</a:t>
+            </a:r>
+            <a:r>
+              <a:rPr lang="en-US" altLang="ko-KR" sz="1100" dirty="0"/>
+              <a:t>.</a:t>
+            </a:r>
+          </a:p>
+          <a:p>
+            <a:pPr algn="ctr"/>
+            <a:r>
+              <a:rPr lang="ko-KR" altLang="en-US" sz="1100" dirty="0"/>
+              <a:t>학습 데이터로 </a:t>
+            </a:r>
+            <a:r>
+              <a:rPr lang="en-US" altLang="ko-KR" sz="1100" dirty="0" err="1"/>
+              <a:t>x_data</a:t>
+            </a:r>
+            <a:r>
+              <a:rPr lang="en-US" altLang="ko-KR" sz="1100" dirty="0"/>
+              <a:t>, </a:t>
+            </a:r>
+            <a:r>
+              <a:rPr lang="ko-KR" altLang="en-US" sz="1100" dirty="0"/>
+              <a:t>결과데이터로 </a:t>
+            </a:r>
+            <a:r>
+              <a:rPr lang="en-US" altLang="ko-KR" sz="1100" dirty="0" err="1"/>
+              <a:t>y_data</a:t>
+            </a:r>
+            <a:r>
+              <a:rPr lang="ko-KR" altLang="en-US" sz="1100" dirty="0" err="1"/>
+              <a:t>를</a:t>
+            </a:r>
+            <a:r>
+              <a:rPr lang="ko-KR" altLang="en-US" sz="1100" dirty="0"/>
+              <a:t> 사용하고 배치사이즈는 </a:t>
+            </a:r>
+            <a:r>
+              <a:rPr lang="en-US" altLang="ko-KR" sz="1100" dirty="0"/>
+              <a:t>1,</a:t>
+            </a:r>
+          </a:p>
+          <a:p>
+            <a:pPr algn="ctr"/>
+            <a:r>
+              <a:rPr lang="ko-KR" altLang="en-US" sz="1100" dirty="0" err="1"/>
+              <a:t>반복회수는</a:t>
+            </a:r>
+            <a:r>
+              <a:rPr lang="ko-KR" altLang="en-US" sz="1100" dirty="0"/>
+              <a:t> </a:t>
+            </a:r>
+            <a:r>
+              <a:rPr lang="en-US" altLang="ko-KR" sz="1100" dirty="0"/>
+              <a:t>8</a:t>
+            </a:r>
+            <a:r>
+              <a:rPr lang="ko-KR" altLang="en-US" sz="1100" dirty="0"/>
+              <a:t>회로 설정합니다</a:t>
+            </a:r>
+            <a:r>
+              <a:rPr lang="en-US" altLang="ko-KR" sz="1100" dirty="0"/>
+              <a:t>.</a:t>
+            </a:r>
+          </a:p>
+        </p:txBody>
+      </p:sp>
       <p:cxnSp>
         <p:nvCxnSpPr>
-          <p:cNvPr id="17" name="직선 화살표 연결선 16">
-            <a:extLst>
-              <a:ext uri="{FF2B5EF4-FFF2-40B4-BE49-F238E27FC236}">
-                <a16:creationId xmlns:a16="http://schemas.microsoft.com/office/drawing/2014/main" id="{E8EC02D4-5A18-D441-BA4D-6D70D9A8FCE1}"/>
+          <p:cNvPr id="29" name="직선 화살표 연결선 28">
+            <a:extLst>
+              <a:ext uri="{FF2B5EF4-FFF2-40B4-BE49-F238E27FC236}">
+                <a16:creationId xmlns:a16="http://schemas.microsoft.com/office/drawing/2014/main" id="{D7876963-D856-2645-A890-56B9642502B7}"/>
               </a:ext>
             </a:extLst>
           </p:cNvPr>
           <p:cNvCxnSpPr>
             <a:cxnSpLocks/>
-            <a:endCxn id="18" idx="1"/>
+            <a:stCxn id="20" idx="3"/>
+            <a:endCxn id="26" idx="1"/>
           </p:cNvCxnSpPr>
           <p:nvPr/>
         </p:nvCxnSpPr>
         <p:spPr>
           <a:xfrm flipV="1">
-            <a:off x="4410159" y="2303475"/>
-            <a:ext cx="2920655" cy="3961"/>
+            <a:off x="5243599" y="4058482"/>
+            <a:ext cx="606373" cy="805947"/>
           </a:xfrm>
           <a:prstGeom prst="straightConnector1">
             <a:avLst/>
@@ -9628,10 +11539,10 @@
       </p:cxnSp>
       <p:sp>
         <p:nvSpPr>
-          <p:cNvPr id="18" name="TextBox 17">
-            <a:extLst>
-              <a:ext uri="{FF2B5EF4-FFF2-40B4-BE49-F238E27FC236}">
-                <a16:creationId xmlns:a16="http://schemas.microsoft.com/office/drawing/2014/main" id="{6D943C5F-1424-2340-B6C8-02302E05F9D4}"/>
+          <p:cNvPr id="14" name="TextBox 13">
+            <a:extLst>
+              <a:ext uri="{FF2B5EF4-FFF2-40B4-BE49-F238E27FC236}">
+                <a16:creationId xmlns:a16="http://schemas.microsoft.com/office/drawing/2014/main" id="{FB31BADE-183C-E149-8168-A1AF97D31E41}"/>
               </a:ext>
             </a:extLst>
           </p:cNvPr>
@@ -9640,8 +11551,8 @@
         </p:nvSpPr>
         <p:spPr>
           <a:xfrm>
-            <a:off x="7330814" y="2088031"/>
-            <a:ext cx="4337901" cy="430887"/>
+            <a:off x="345862" y="2710926"/>
+            <a:ext cx="4339426" cy="1537393"/>
           </a:xfrm>
           <a:prstGeom prst="rect">
             <a:avLst/>
@@ -9660,59 +11571,62 @@
           <a:lstStyle/>
           <a:p>
             <a:pPr algn="ctr"/>
-            <a:r>
-              <a:rPr lang="ko-KR" altLang="en-US" sz="1100" dirty="0"/>
-              <a:t>이전 </a:t>
-            </a:r>
-            <a:r>
-              <a:rPr lang="ko-KR" altLang="en-US" sz="1100" dirty="0" err="1"/>
-              <a:t>은닉층</a:t>
-            </a:r>
-            <a:r>
-              <a:rPr lang="ko-KR" altLang="en-US" sz="1100" dirty="0"/>
-              <a:t> </a:t>
-            </a:r>
-            <a:r>
-              <a:rPr lang="ko-KR" altLang="en-US" sz="1100" dirty="0" err="1"/>
-              <a:t>한줄</a:t>
-            </a:r>
-            <a:r>
-              <a:rPr lang="ko-KR" altLang="en-US" sz="1100" dirty="0"/>
-              <a:t> 제거의 결과값이 좋지 않게 나와</a:t>
-            </a:r>
-            <a:endParaRPr lang="en-US" altLang="ko-KR" sz="1100" dirty="0"/>
-          </a:p>
-          <a:p>
-            <a:pPr algn="ctr"/>
-            <a:r>
-              <a:rPr lang="ko-KR" altLang="en-US" sz="1100" dirty="0" err="1"/>
-              <a:t>학습횟수를</a:t>
-            </a:r>
-            <a:r>
-              <a:rPr lang="ko-KR" altLang="en-US" sz="1100" dirty="0"/>
-              <a:t> </a:t>
-            </a:r>
-            <a:r>
-              <a:rPr lang="en-US" altLang="ko-KR" sz="1100" dirty="0"/>
-              <a:t>10000</a:t>
-            </a:r>
-            <a:r>
-              <a:rPr lang="ko-KR" altLang="en-US" sz="1100" dirty="0"/>
-              <a:t>회로 증가시켜서 실행해 보았습니다</a:t>
-            </a:r>
-            <a:r>
-              <a:rPr lang="en-US" altLang="ko-KR" sz="1100" dirty="0"/>
-              <a:t>.</a:t>
-            </a:r>
-          </a:p>
-        </p:txBody>
-      </p:sp>
-      <p:sp>
-        <p:nvSpPr>
-          <p:cNvPr id="26" name="TextBox 25">
-            <a:extLst>
-              <a:ext uri="{FF2B5EF4-FFF2-40B4-BE49-F238E27FC236}">
-                <a16:creationId xmlns:a16="http://schemas.microsoft.com/office/drawing/2014/main" id="{4821188F-1076-9D4B-825B-58B55608DCC1}"/>
+            <a:endParaRPr lang="en-US" altLang="ko-Kore-KR" sz="1100" dirty="0"/>
+          </a:p>
+        </p:txBody>
+      </p:sp>
+      <p:cxnSp>
+        <p:nvCxnSpPr>
+          <p:cNvPr id="15" name="직선 화살표 연결선 14">
+            <a:extLst>
+              <a:ext uri="{FF2B5EF4-FFF2-40B4-BE49-F238E27FC236}">
+                <a16:creationId xmlns:a16="http://schemas.microsoft.com/office/drawing/2014/main" id="{7CD12503-C4D3-6A4B-8E1F-3D473B270A2B}"/>
+              </a:ext>
+            </a:extLst>
+          </p:cNvPr>
+          <p:cNvCxnSpPr>
+            <a:cxnSpLocks/>
+            <a:stCxn id="14" idx="3"/>
+            <a:endCxn id="18" idx="1"/>
+          </p:cNvCxnSpPr>
+          <p:nvPr/>
+        </p:nvCxnSpPr>
+        <p:spPr>
+          <a:xfrm flipV="1">
+            <a:off x="4685288" y="2346124"/>
+            <a:ext cx="1164684" cy="1133499"/>
+          </a:xfrm>
+          <a:prstGeom prst="straightConnector1">
+            <a:avLst/>
+          </a:prstGeom>
+          <a:ln w="12700">
+            <a:solidFill>
+              <a:srgbClr val="FF7876"/>
+            </a:solidFill>
+            <a:tailEnd type="triangle"/>
+          </a:ln>
+        </p:spPr>
+        <p:style>
+          <a:lnRef idx="1">
+            <a:schemeClr val="accent1"/>
+          </a:lnRef>
+          <a:fillRef idx="0">
+            <a:schemeClr val="accent1"/>
+          </a:fillRef>
+          <a:effectRef idx="0">
+            <a:schemeClr val="accent1"/>
+          </a:effectRef>
+          <a:fontRef idx="minor">
+            <a:schemeClr val="tx1"/>
+          </a:fontRef>
+        </p:style>
+      </p:cxnSp>
+      <p:sp>
+        <p:nvSpPr>
+          <p:cNvPr id="20" name="TextBox 19">
+            <a:extLst>
+              <a:ext uri="{FF2B5EF4-FFF2-40B4-BE49-F238E27FC236}">
+                <a16:creationId xmlns:a16="http://schemas.microsoft.com/office/drawing/2014/main" id="{E3BCB975-57DB-8E43-8910-AFFA1AEF7974}"/>
               </a:ext>
             </a:extLst>
           </p:cNvPr>
@@ -9721,8 +11635,8 @@
         </p:nvSpPr>
         <p:spPr>
           <a:xfrm>
-            <a:off x="7433278" y="3813105"/>
-            <a:ext cx="4483558" cy="430887"/>
+            <a:off x="336414" y="4428496"/>
+            <a:ext cx="4907185" cy="871865"/>
           </a:xfrm>
           <a:prstGeom prst="rect">
             <a:avLst/>
@@ -9741,48 +11655,68 @@
           <a:lstStyle/>
           <a:p>
             <a:pPr algn="ctr"/>
-            <a:r>
-              <a:rPr lang="ko-KR" altLang="en-US" sz="1100" dirty="0" err="1"/>
-              <a:t>학습결과와</a:t>
-            </a:r>
-            <a:r>
-              <a:rPr lang="ko-KR" altLang="en-US" sz="1100" dirty="0"/>
-              <a:t> 오차 모두 이전 결과들에 비해서</a:t>
-            </a:r>
-            <a:endParaRPr lang="en-US" altLang="ko-KR" sz="1100" dirty="0"/>
-          </a:p>
+            <a:endParaRPr lang="en-US" altLang="ko-Kore-KR" sz="1100" dirty="0"/>
+          </a:p>
+        </p:txBody>
+      </p:sp>
+      <p:sp>
+        <p:nvSpPr>
+          <p:cNvPr id="21" name="TextBox 20">
+            <a:extLst>
+              <a:ext uri="{FF2B5EF4-FFF2-40B4-BE49-F238E27FC236}">
+                <a16:creationId xmlns:a16="http://schemas.microsoft.com/office/drawing/2014/main" id="{95959079-02CD-994D-9603-93FACED3176E}"/>
+              </a:ext>
+            </a:extLst>
+          </p:cNvPr>
+          <p:cNvSpPr txBox="1"/>
+          <p:nvPr/>
+        </p:nvSpPr>
+        <p:spPr>
+          <a:xfrm>
+            <a:off x="345862" y="5443289"/>
+            <a:ext cx="4339426" cy="805946"/>
+          </a:xfrm>
+          <a:prstGeom prst="rect">
+            <a:avLst/>
+          </a:prstGeom>
+          <a:noFill/>
+          <a:ln w="12700">
+            <a:solidFill>
+              <a:srgbClr val="FF7876"/>
+            </a:solidFill>
+          </a:ln>
+        </p:spPr>
+        <p:txBody>
+          <a:bodyPr wrap="square" rtlCol="0">
+            <a:spAutoFit/>
+          </a:bodyPr>
+          <a:lstStyle/>
           <a:p>
             <a:pPr algn="ctr"/>
-            <a:r>
-              <a:rPr lang="ko-KR" altLang="en-US" sz="1100" dirty="0"/>
-              <a:t>매우 좋아진 결과를 얻을 수 있었습니다</a:t>
-            </a:r>
-            <a:r>
-              <a:rPr lang="en-US" altLang="ko-KR" sz="1100" dirty="0"/>
-              <a:t>.</a:t>
-            </a:r>
+            <a:endParaRPr lang="en-US" altLang="ko-Kore-KR" sz="1100" dirty="0"/>
           </a:p>
         </p:txBody>
       </p:sp>
       <p:cxnSp>
         <p:nvCxnSpPr>
-          <p:cNvPr id="29" name="직선 화살표 연결선 28">
-            <a:extLst>
-              <a:ext uri="{FF2B5EF4-FFF2-40B4-BE49-F238E27FC236}">
-                <a16:creationId xmlns:a16="http://schemas.microsoft.com/office/drawing/2014/main" id="{D7876963-D856-2645-A890-56B9642502B7}"/>
+          <p:cNvPr id="31" name="직선 화살표 연결선 30">
+            <a:extLst>
+              <a:ext uri="{FF2B5EF4-FFF2-40B4-BE49-F238E27FC236}">
+                <a16:creationId xmlns:a16="http://schemas.microsoft.com/office/drawing/2014/main" id="{31FCB7F5-B64D-1D49-8A8C-424F833B4495}"/>
               </a:ext>
             </a:extLst>
           </p:cNvPr>
           <p:cNvCxnSpPr>
             <a:cxnSpLocks/>
-            <a:endCxn id="26" idx="1"/>
+            <a:stCxn id="21" idx="3"/>
+            <a:endCxn id="35" idx="1"/>
           </p:cNvCxnSpPr>
           <p:nvPr/>
         </p:nvCxnSpPr>
         <p:spPr>
           <a:xfrm flipV="1">
-            <a:off x="6716389" y="4028549"/>
-            <a:ext cx="716889" cy="1054883"/>
+            <a:off x="4685288" y="5628568"/>
+            <a:ext cx="1164684" cy="217694"/>
           </a:xfrm>
           <a:prstGeom prst="straightConnector1">
             <a:avLst/>
@@ -9809,6 +11743,102 @@
           </a:fontRef>
         </p:style>
       </p:cxnSp>
+      <p:sp>
+        <p:nvSpPr>
+          <p:cNvPr id="35" name="TextBox 34">
+            <a:extLst>
+              <a:ext uri="{FF2B5EF4-FFF2-40B4-BE49-F238E27FC236}">
+                <a16:creationId xmlns:a16="http://schemas.microsoft.com/office/drawing/2014/main" id="{0E3A8EA2-CA42-3B46-A192-3B3E5003D378}"/>
+              </a:ext>
+            </a:extLst>
+          </p:cNvPr>
+          <p:cNvSpPr txBox="1"/>
+          <p:nvPr/>
+        </p:nvSpPr>
+        <p:spPr>
+          <a:xfrm>
+            <a:off x="5849972" y="5328486"/>
+            <a:ext cx="5914158" cy="600164"/>
+          </a:xfrm>
+          <a:prstGeom prst="rect">
+            <a:avLst/>
+          </a:prstGeom>
+          <a:noFill/>
+          <a:ln w="12700">
+            <a:solidFill>
+              <a:srgbClr val="FF7876"/>
+            </a:solidFill>
+          </a:ln>
+        </p:spPr>
+        <p:txBody>
+          <a:bodyPr wrap="square" rtlCol="0">
+            <a:spAutoFit/>
+          </a:bodyPr>
+          <a:lstStyle/>
+          <a:p>
+            <a:pPr algn="ctr"/>
+            <a:r>
+              <a:rPr lang="ko-KR" altLang="en-US" sz="1100" dirty="0"/>
+              <a:t>다음</a:t>
+            </a:r>
+            <a:r>
+              <a:rPr lang="en-US" altLang="ko-KR" sz="1100" dirty="0"/>
+              <a:t> </a:t>
+            </a:r>
+            <a:r>
+              <a:rPr lang="en-US" altLang="ko-KR" sz="1100" dirty="0" err="1"/>
+              <a:t>pyplot</a:t>
+            </a:r>
+            <a:r>
+              <a:rPr lang="ko-KR" altLang="en-US" sz="1100" dirty="0"/>
+              <a:t>을 이용해 생성한 좌표들을 도식화 합니다</a:t>
+            </a:r>
+            <a:r>
+              <a:rPr lang="en-US" altLang="ko-KR" sz="1100" dirty="0"/>
+              <a:t>.</a:t>
+            </a:r>
+          </a:p>
+          <a:p>
+            <a:pPr algn="ctr"/>
+            <a:r>
+              <a:rPr lang="ko-KR" altLang="en-US" sz="1100" dirty="0"/>
+              <a:t>먼저 </a:t>
+            </a:r>
+            <a:r>
+              <a:rPr lang="en-US" altLang="ko-KR" sz="1100" dirty="0" err="1"/>
+              <a:t>x,y</a:t>
+            </a:r>
+            <a:r>
+              <a:rPr lang="ko-KR" altLang="en-US" sz="1100" dirty="0"/>
+              <a:t>값의 좌표들의 점들을 표시한 후</a:t>
+            </a:r>
+            <a:endParaRPr lang="en-US" altLang="ko-KR" sz="1100" dirty="0"/>
+          </a:p>
+          <a:p>
+            <a:pPr algn="ctr"/>
+            <a:r>
+              <a:rPr lang="en-US" altLang="ko-KR" sz="1100" dirty="0" err="1"/>
+              <a:t>x_Data</a:t>
+            </a:r>
+            <a:r>
+              <a:rPr lang="ko-KR" altLang="en-US" sz="1100" dirty="0"/>
+              <a:t>와 그 데이터로 학습된 결과들을 </a:t>
+            </a:r>
+            <a:r>
+              <a:rPr lang="en-US" altLang="ko-KR" sz="1100" dirty="0"/>
+              <a:t>y</a:t>
+            </a:r>
+            <a:r>
+              <a:rPr lang="ko-KR" altLang="en-US" sz="1100" dirty="0"/>
+              <a:t>좌표로 한 데이터의 선을 그리도록 합니다</a:t>
+            </a:r>
+            <a:r>
+              <a:rPr lang="en-US" altLang="ko-KR" sz="1100" dirty="0"/>
+              <a:t>.</a:t>
+            </a:r>
+          </a:p>
+        </p:txBody>
+      </p:sp>
     </p:spTree>
     <p:extLst>
       <p:ext uri="{BB962C8B-B14F-4D97-AF65-F5344CB8AC3E}">

--- a/9장/20164091-송희령-9장 과제.pptx
+++ b/9장/20164091-송희령-9장 과제.pptx
@@ -6020,6 +6020,66 @@
           </a:p>
         </p:txBody>
       </p:sp>
+      <p:pic>
+        <p:nvPicPr>
+          <p:cNvPr id="5" name="그림 4">
+            <a:extLst>
+              <a:ext uri="{FF2B5EF4-FFF2-40B4-BE49-F238E27FC236}">
+                <a16:creationId xmlns:a16="http://schemas.microsoft.com/office/drawing/2014/main" id="{DFDC84BD-ED44-634A-973B-FE41999E381F}"/>
+              </a:ext>
+            </a:extLst>
+          </p:cNvPr>
+          <p:cNvPicPr>
+            <a:picLocks noChangeAspect="1"/>
+          </p:cNvPicPr>
+          <p:nvPr/>
+        </p:nvPicPr>
+        <p:blipFill>
+          <a:blip r:embed="rId2"/>
+          <a:stretch>
+            <a:fillRect/>
+          </a:stretch>
+        </p:blipFill>
+        <p:spPr>
+          <a:xfrm>
+            <a:off x="221182" y="1698964"/>
+            <a:ext cx="5874818" cy="3373973"/>
+          </a:xfrm>
+          <a:prstGeom prst="rect">
+            <a:avLst/>
+          </a:prstGeom>
+        </p:spPr>
+      </p:pic>
+      <p:pic>
+        <p:nvPicPr>
+          <p:cNvPr id="6" name="그림 5">
+            <a:extLst>
+              <a:ext uri="{FF2B5EF4-FFF2-40B4-BE49-F238E27FC236}">
+                <a16:creationId xmlns:a16="http://schemas.microsoft.com/office/drawing/2014/main" id="{58C937A1-9BEF-2E40-8BAD-1981E42A340C}"/>
+              </a:ext>
+            </a:extLst>
+          </p:cNvPr>
+          <p:cNvPicPr>
+            <a:picLocks noChangeAspect="1"/>
+          </p:cNvPicPr>
+          <p:nvPr/>
+        </p:nvPicPr>
+        <p:blipFill>
+          <a:blip r:embed="rId3"/>
+          <a:stretch>
+            <a:fillRect/>
+          </a:stretch>
+        </p:blipFill>
+        <p:spPr>
+          <a:xfrm>
+            <a:off x="6018861" y="1698964"/>
+            <a:ext cx="5874806" cy="3373966"/>
+          </a:xfrm>
+          <a:prstGeom prst="rect">
+            <a:avLst/>
+          </a:prstGeom>
+        </p:spPr>
+      </p:pic>
     </p:spTree>
     <p:extLst>
       <p:ext uri="{BB962C8B-B14F-4D97-AF65-F5344CB8AC3E}">
